--- a/figure.pptx
+++ b/figure.pptx
@@ -8,6 +8,9 @@
     <p:sldId id="256" r:id="rId2"/>
     <p:sldId id="257" r:id="rId3"/>
     <p:sldId id="258" r:id="rId4"/>
+    <p:sldId id="259" r:id="rId5"/>
+    <p:sldId id="260" r:id="rId6"/>
+    <p:sldId id="261" r:id="rId7"/>
   </p:sldIdLst>
   <p:sldSz cx="9144000" cy="6858000" type="screen4x3"/>
   <p:notesSz cx="6858000" cy="9144000"/>
@@ -106,7 +109,16 @@
       </a:defRPr>
     </a:lvl9pPr>
   </p:defaultTextStyle>
+  <p:extLst>
+    <p:ext uri="{EFAFB233-063F-42B5-8137-9DF3F51BA10A}">
+      <p15:sldGuideLst xmlns:p15="http://schemas.microsoft.com/office/powerpoint/2012/main"/>
+    </p:ext>
+  </p:extLst>
 </p:presentation>
+</file>
+
+<file path=ppt/revisionInfo.xml><?xml version="1.0" encoding="utf-8"?>
+<p1510:revInfo xmlns:a="http://schemas.openxmlformats.org/drawingml/2006/main" xmlns:r="http://schemas.openxmlformats.org/officeDocument/2006/relationships" xmlns:p1510="http://schemas.microsoft.com/office/powerpoint/2015/10/main"/>
 </file>
 
 <file path=ppt/slideLayouts/slideLayout1.xml><?xml version="1.0" encoding="utf-8"?>
@@ -240,7 +252,7 @@
           <a:p>
             <a:fld id="{117D1B69-23CD-4B8A-B36E-78DA5E168A56}" type="datetimeFigureOut">
               <a:rPr kumimoji="1" lang="ja-JP" altLang="en-US" smtClean="0"/>
-              <a:t>2017/6/11</a:t>
+              <a:t>2017/6/12</a:t>
             </a:fld>
             <a:endParaRPr kumimoji="1" lang="ja-JP" altLang="en-US"/>
           </a:p>
@@ -442,7 +454,7 @@
           <a:p>
             <a:fld id="{117D1B69-23CD-4B8A-B36E-78DA5E168A56}" type="datetimeFigureOut">
               <a:rPr kumimoji="1" lang="ja-JP" altLang="en-US" smtClean="0"/>
-              <a:t>2017/6/11</a:t>
+              <a:t>2017/6/12</a:t>
             </a:fld>
             <a:endParaRPr kumimoji="1" lang="ja-JP" altLang="en-US"/>
           </a:p>
@@ -654,7 +666,7 @@
           <a:p>
             <a:fld id="{117D1B69-23CD-4B8A-B36E-78DA5E168A56}" type="datetimeFigureOut">
               <a:rPr kumimoji="1" lang="ja-JP" altLang="en-US" smtClean="0"/>
-              <a:t>2017/6/11</a:t>
+              <a:t>2017/6/12</a:t>
             </a:fld>
             <a:endParaRPr kumimoji="1" lang="ja-JP" altLang="en-US"/>
           </a:p>
@@ -856,7 +868,7 @@
           <a:p>
             <a:fld id="{117D1B69-23CD-4B8A-B36E-78DA5E168A56}" type="datetimeFigureOut">
               <a:rPr kumimoji="1" lang="ja-JP" altLang="en-US" smtClean="0"/>
-              <a:t>2017/6/11</a:t>
+              <a:t>2017/6/12</a:t>
             </a:fld>
             <a:endParaRPr kumimoji="1" lang="ja-JP" altLang="en-US"/>
           </a:p>
@@ -1100,7 +1112,7 @@
           <a:p>
             <a:fld id="{117D1B69-23CD-4B8A-B36E-78DA5E168A56}" type="datetimeFigureOut">
               <a:rPr kumimoji="1" lang="ja-JP" altLang="en-US" smtClean="0"/>
-              <a:t>2017/6/11</a:t>
+              <a:t>2017/6/12</a:t>
             </a:fld>
             <a:endParaRPr kumimoji="1" lang="ja-JP" altLang="en-US"/>
           </a:p>
@@ -1396,7 +1408,7 @@
           <a:p>
             <a:fld id="{117D1B69-23CD-4B8A-B36E-78DA5E168A56}" type="datetimeFigureOut">
               <a:rPr kumimoji="1" lang="ja-JP" altLang="en-US" smtClean="0"/>
-              <a:t>2017/6/11</a:t>
+              <a:t>2017/6/12</a:t>
             </a:fld>
             <a:endParaRPr kumimoji="1" lang="ja-JP" altLang="en-US"/>
           </a:p>
@@ -1827,7 +1839,7 @@
           <a:p>
             <a:fld id="{117D1B69-23CD-4B8A-B36E-78DA5E168A56}" type="datetimeFigureOut">
               <a:rPr kumimoji="1" lang="ja-JP" altLang="en-US" smtClean="0"/>
-              <a:t>2017/6/11</a:t>
+              <a:t>2017/6/12</a:t>
             </a:fld>
             <a:endParaRPr kumimoji="1" lang="ja-JP" altLang="en-US"/>
           </a:p>
@@ -1945,7 +1957,7 @@
           <a:p>
             <a:fld id="{117D1B69-23CD-4B8A-B36E-78DA5E168A56}" type="datetimeFigureOut">
               <a:rPr kumimoji="1" lang="ja-JP" altLang="en-US" smtClean="0"/>
-              <a:t>2017/6/11</a:t>
+              <a:t>2017/6/12</a:t>
             </a:fld>
             <a:endParaRPr kumimoji="1" lang="ja-JP" altLang="en-US"/>
           </a:p>
@@ -2040,7 +2052,7 @@
           <a:p>
             <a:fld id="{117D1B69-23CD-4B8A-B36E-78DA5E168A56}" type="datetimeFigureOut">
               <a:rPr kumimoji="1" lang="ja-JP" altLang="en-US" smtClean="0"/>
-              <a:t>2017/6/11</a:t>
+              <a:t>2017/6/12</a:t>
             </a:fld>
             <a:endParaRPr kumimoji="1" lang="ja-JP" altLang="en-US"/>
           </a:p>
@@ -2349,7 +2361,7 @@
           <a:p>
             <a:fld id="{117D1B69-23CD-4B8A-B36E-78DA5E168A56}" type="datetimeFigureOut">
               <a:rPr kumimoji="1" lang="ja-JP" altLang="en-US" smtClean="0"/>
-              <a:t>2017/6/11</a:t>
+              <a:t>2017/6/12</a:t>
             </a:fld>
             <a:endParaRPr kumimoji="1" lang="ja-JP" altLang="en-US"/>
           </a:p>
@@ -2606,7 +2618,7 @@
           <a:p>
             <a:fld id="{117D1B69-23CD-4B8A-B36E-78DA5E168A56}" type="datetimeFigureOut">
               <a:rPr kumimoji="1" lang="ja-JP" altLang="en-US" smtClean="0"/>
-              <a:t>2017/6/11</a:t>
+              <a:t>2017/6/12</a:t>
             </a:fld>
             <a:endParaRPr kumimoji="1" lang="ja-JP" altLang="en-US"/>
           </a:p>
@@ -2851,7 +2863,7 @@
           <a:p>
             <a:fld id="{117D1B69-23CD-4B8A-B36E-78DA5E168A56}" type="datetimeFigureOut">
               <a:rPr kumimoji="1" lang="ja-JP" altLang="en-US" smtClean="0"/>
-              <a:t>2017/6/11</a:t>
+              <a:t>2017/6/12</a:t>
             </a:fld>
             <a:endParaRPr kumimoji="1" lang="ja-JP" altLang="en-US"/>
           </a:p>
@@ -7156,6 +7168,3307 @@
 </p:sld>
 </file>
 
+<file path=ppt/slides/slide4.xml><?xml version="1.0" encoding="utf-8"?>
+<p:sld xmlns:a="http://schemas.openxmlformats.org/drawingml/2006/main" xmlns:r="http://schemas.openxmlformats.org/officeDocument/2006/relationships" xmlns:p="http://schemas.openxmlformats.org/presentationml/2006/main">
+  <p:cSld>
+    <p:spTree>
+      <p:nvGrpSpPr>
+        <p:cNvPr id="1" name=""/>
+        <p:cNvGrpSpPr/>
+        <p:nvPr/>
+      </p:nvGrpSpPr>
+      <p:grpSpPr>
+        <a:xfrm>
+          <a:off x="0" y="0"/>
+          <a:ext cx="0" cy="0"/>
+          <a:chOff x="0" y="0"/>
+          <a:chExt cx="0" cy="0"/>
+        </a:xfrm>
+      </p:grpSpPr>
+      <p:grpSp>
+        <p:nvGrpSpPr>
+          <p:cNvPr id="86" name="グループ化 85"/>
+          <p:cNvGrpSpPr/>
+          <p:nvPr/>
+        </p:nvGrpSpPr>
+        <p:grpSpPr>
+          <a:xfrm>
+            <a:off x="549954" y="1861516"/>
+            <a:ext cx="6625547" cy="1838552"/>
+            <a:chOff x="549954" y="1861516"/>
+            <a:chExt cx="6625547" cy="1838552"/>
+          </a:xfrm>
+        </p:grpSpPr>
+        <p:grpSp>
+          <p:nvGrpSpPr>
+            <p:cNvPr id="49" name="グループ化 48"/>
+            <p:cNvGrpSpPr/>
+            <p:nvPr/>
+          </p:nvGrpSpPr>
+          <p:grpSpPr>
+            <a:xfrm>
+              <a:off x="549954" y="1861516"/>
+              <a:ext cx="1838552" cy="1838552"/>
+              <a:chOff x="216568" y="1118937"/>
+              <a:chExt cx="1440000" cy="1440000"/>
+            </a:xfrm>
+          </p:grpSpPr>
+          <p:sp>
+            <p:nvSpPr>
+              <p:cNvPr id="33" name="正方形/長方形 32"/>
+              <p:cNvSpPr/>
+              <p:nvPr/>
+            </p:nvSpPr>
+            <p:spPr>
+              <a:xfrm>
+                <a:off x="216568" y="1118937"/>
+                <a:ext cx="360000" cy="360000"/>
+              </a:xfrm>
+              <a:prstGeom prst="rect">
+                <a:avLst/>
+              </a:prstGeom>
+            </p:spPr>
+            <p:style>
+              <a:lnRef idx="2">
+                <a:schemeClr val="dk1"/>
+              </a:lnRef>
+              <a:fillRef idx="1">
+                <a:schemeClr val="lt1"/>
+              </a:fillRef>
+              <a:effectRef idx="0">
+                <a:schemeClr val="dk1"/>
+              </a:effectRef>
+              <a:fontRef idx="minor">
+                <a:schemeClr val="dk1"/>
+              </a:fontRef>
+            </p:style>
+            <p:txBody>
+              <a:bodyPr lIns="0" rIns="0" rtlCol="0" anchor="ctr"/>
+              <a:lstStyle/>
+              <a:p>
+                <a:pPr algn="ctr"/>
+                <a:r>
+                  <a:rPr kumimoji="1" lang="en-US" altLang="ja-JP" sz="2400" dirty="0"/>
+                  <a:t>1</a:t>
+                </a:r>
+                <a:endParaRPr kumimoji="1" lang="ja-JP" altLang="en-US" sz="2400" dirty="0"/>
+              </a:p>
+            </p:txBody>
+          </p:sp>
+          <p:sp>
+            <p:nvSpPr>
+              <p:cNvPr id="34" name="正方形/長方形 33"/>
+              <p:cNvSpPr/>
+              <p:nvPr/>
+            </p:nvSpPr>
+            <p:spPr>
+              <a:xfrm>
+                <a:off x="576568" y="1118937"/>
+                <a:ext cx="360000" cy="360000"/>
+              </a:xfrm>
+              <a:prstGeom prst="rect">
+                <a:avLst/>
+              </a:prstGeom>
+            </p:spPr>
+            <p:style>
+              <a:lnRef idx="2">
+                <a:schemeClr val="dk1"/>
+              </a:lnRef>
+              <a:fillRef idx="1">
+                <a:schemeClr val="lt1"/>
+              </a:fillRef>
+              <a:effectRef idx="0">
+                <a:schemeClr val="dk1"/>
+              </a:effectRef>
+              <a:fontRef idx="minor">
+                <a:schemeClr val="dk1"/>
+              </a:fontRef>
+            </p:style>
+            <p:txBody>
+              <a:bodyPr lIns="0" rIns="0" rtlCol="0" anchor="ctr"/>
+              <a:lstStyle/>
+              <a:p>
+                <a:pPr algn="ctr"/>
+                <a:r>
+                  <a:rPr kumimoji="1" lang="en-US" altLang="ja-JP" sz="2400" dirty="0"/>
+                  <a:t>2</a:t>
+                </a:r>
+                <a:endParaRPr kumimoji="1" lang="ja-JP" altLang="en-US" sz="2400" dirty="0"/>
+              </a:p>
+            </p:txBody>
+          </p:sp>
+          <p:sp>
+            <p:nvSpPr>
+              <p:cNvPr id="35" name="正方形/長方形 34"/>
+              <p:cNvSpPr/>
+              <p:nvPr/>
+            </p:nvSpPr>
+            <p:spPr>
+              <a:xfrm>
+                <a:off x="936568" y="1118937"/>
+                <a:ext cx="360000" cy="360000"/>
+              </a:xfrm>
+              <a:prstGeom prst="rect">
+                <a:avLst/>
+              </a:prstGeom>
+            </p:spPr>
+            <p:style>
+              <a:lnRef idx="2">
+                <a:schemeClr val="dk1"/>
+              </a:lnRef>
+              <a:fillRef idx="1">
+                <a:schemeClr val="lt1"/>
+              </a:fillRef>
+              <a:effectRef idx="0">
+                <a:schemeClr val="dk1"/>
+              </a:effectRef>
+              <a:fontRef idx="minor">
+                <a:schemeClr val="dk1"/>
+              </a:fontRef>
+            </p:style>
+            <p:txBody>
+              <a:bodyPr lIns="0" rIns="0" rtlCol="0" anchor="ctr"/>
+              <a:lstStyle/>
+              <a:p>
+                <a:pPr algn="ctr"/>
+                <a:r>
+                  <a:rPr kumimoji="1" lang="en-US" altLang="ja-JP" sz="2400" dirty="0"/>
+                  <a:t>3</a:t>
+                </a:r>
+                <a:endParaRPr kumimoji="1" lang="ja-JP" altLang="en-US" sz="2400" dirty="0"/>
+              </a:p>
+            </p:txBody>
+          </p:sp>
+          <p:sp>
+            <p:nvSpPr>
+              <p:cNvPr id="36" name="正方形/長方形 35"/>
+              <p:cNvSpPr/>
+              <p:nvPr/>
+            </p:nvSpPr>
+            <p:spPr>
+              <a:xfrm>
+                <a:off x="1296568" y="1118937"/>
+                <a:ext cx="360000" cy="360000"/>
+              </a:xfrm>
+              <a:prstGeom prst="rect">
+                <a:avLst/>
+              </a:prstGeom>
+            </p:spPr>
+            <p:style>
+              <a:lnRef idx="2">
+                <a:schemeClr val="dk1"/>
+              </a:lnRef>
+              <a:fillRef idx="1">
+                <a:schemeClr val="lt1"/>
+              </a:fillRef>
+              <a:effectRef idx="0">
+                <a:schemeClr val="dk1"/>
+              </a:effectRef>
+              <a:fontRef idx="minor">
+                <a:schemeClr val="dk1"/>
+              </a:fontRef>
+            </p:style>
+            <p:txBody>
+              <a:bodyPr lIns="0" rIns="0" rtlCol="0" anchor="ctr"/>
+              <a:lstStyle/>
+              <a:p>
+                <a:pPr algn="ctr"/>
+                <a:r>
+                  <a:rPr kumimoji="1" lang="en-US" altLang="ja-JP" sz="2400" dirty="0"/>
+                  <a:t>4</a:t>
+                </a:r>
+                <a:endParaRPr kumimoji="1" lang="ja-JP" altLang="en-US" sz="2400" dirty="0"/>
+              </a:p>
+            </p:txBody>
+          </p:sp>
+          <p:sp>
+            <p:nvSpPr>
+              <p:cNvPr id="37" name="正方形/長方形 36"/>
+              <p:cNvSpPr/>
+              <p:nvPr/>
+            </p:nvSpPr>
+            <p:spPr>
+              <a:xfrm>
+                <a:off x="216568" y="1478937"/>
+                <a:ext cx="360000" cy="360000"/>
+              </a:xfrm>
+              <a:prstGeom prst="rect">
+                <a:avLst/>
+              </a:prstGeom>
+            </p:spPr>
+            <p:style>
+              <a:lnRef idx="2">
+                <a:schemeClr val="dk1"/>
+              </a:lnRef>
+              <a:fillRef idx="1">
+                <a:schemeClr val="lt1"/>
+              </a:fillRef>
+              <a:effectRef idx="0">
+                <a:schemeClr val="dk1"/>
+              </a:effectRef>
+              <a:fontRef idx="minor">
+                <a:schemeClr val="dk1"/>
+              </a:fontRef>
+            </p:style>
+            <p:txBody>
+              <a:bodyPr lIns="0" rIns="0" rtlCol="0" anchor="ctr"/>
+              <a:lstStyle/>
+              <a:p>
+                <a:pPr algn="ctr"/>
+                <a:r>
+                  <a:rPr kumimoji="1" lang="en-US" altLang="ja-JP" sz="2400" dirty="0"/>
+                  <a:t>5</a:t>
+                </a:r>
+                <a:endParaRPr kumimoji="1" lang="ja-JP" altLang="en-US" sz="2400" dirty="0"/>
+              </a:p>
+            </p:txBody>
+          </p:sp>
+          <p:sp>
+            <p:nvSpPr>
+              <p:cNvPr id="38" name="正方形/長方形 37"/>
+              <p:cNvSpPr/>
+              <p:nvPr/>
+            </p:nvSpPr>
+            <p:spPr>
+              <a:xfrm>
+                <a:off x="576568" y="1478937"/>
+                <a:ext cx="360000" cy="360000"/>
+              </a:xfrm>
+              <a:prstGeom prst="rect">
+                <a:avLst/>
+              </a:prstGeom>
+            </p:spPr>
+            <p:style>
+              <a:lnRef idx="2">
+                <a:schemeClr val="dk1"/>
+              </a:lnRef>
+              <a:fillRef idx="1">
+                <a:schemeClr val="lt1"/>
+              </a:fillRef>
+              <a:effectRef idx="0">
+                <a:schemeClr val="dk1"/>
+              </a:effectRef>
+              <a:fontRef idx="minor">
+                <a:schemeClr val="dk1"/>
+              </a:fontRef>
+            </p:style>
+            <p:txBody>
+              <a:bodyPr lIns="0" rIns="0" rtlCol="0" anchor="ctr"/>
+              <a:lstStyle/>
+              <a:p>
+                <a:pPr algn="ctr"/>
+                <a:r>
+                  <a:rPr kumimoji="1" lang="en-US" altLang="ja-JP" sz="2400" dirty="0"/>
+                  <a:t>6</a:t>
+                </a:r>
+                <a:endParaRPr kumimoji="1" lang="ja-JP" altLang="en-US" sz="2400" dirty="0"/>
+              </a:p>
+            </p:txBody>
+          </p:sp>
+          <p:sp>
+            <p:nvSpPr>
+              <p:cNvPr id="39" name="正方形/長方形 38"/>
+              <p:cNvSpPr/>
+              <p:nvPr/>
+            </p:nvSpPr>
+            <p:spPr>
+              <a:xfrm>
+                <a:off x="936568" y="1478937"/>
+                <a:ext cx="360000" cy="360000"/>
+              </a:xfrm>
+              <a:prstGeom prst="rect">
+                <a:avLst/>
+              </a:prstGeom>
+            </p:spPr>
+            <p:style>
+              <a:lnRef idx="2">
+                <a:schemeClr val="dk1"/>
+              </a:lnRef>
+              <a:fillRef idx="1">
+                <a:schemeClr val="lt1"/>
+              </a:fillRef>
+              <a:effectRef idx="0">
+                <a:schemeClr val="dk1"/>
+              </a:effectRef>
+              <a:fontRef idx="minor">
+                <a:schemeClr val="dk1"/>
+              </a:fontRef>
+            </p:style>
+            <p:txBody>
+              <a:bodyPr lIns="0" rIns="0" rtlCol="0" anchor="ctr"/>
+              <a:lstStyle/>
+              <a:p>
+                <a:pPr algn="ctr"/>
+                <a:r>
+                  <a:rPr kumimoji="1" lang="en-US" altLang="ja-JP" sz="2400" dirty="0"/>
+                  <a:t>7</a:t>
+                </a:r>
+                <a:endParaRPr kumimoji="1" lang="ja-JP" altLang="en-US" sz="2400" dirty="0"/>
+              </a:p>
+            </p:txBody>
+          </p:sp>
+          <p:sp>
+            <p:nvSpPr>
+              <p:cNvPr id="40" name="正方形/長方形 39"/>
+              <p:cNvSpPr/>
+              <p:nvPr/>
+            </p:nvSpPr>
+            <p:spPr>
+              <a:xfrm>
+                <a:off x="1296568" y="1478937"/>
+                <a:ext cx="360000" cy="360000"/>
+              </a:xfrm>
+              <a:prstGeom prst="rect">
+                <a:avLst/>
+              </a:prstGeom>
+            </p:spPr>
+            <p:style>
+              <a:lnRef idx="2">
+                <a:schemeClr val="dk1"/>
+              </a:lnRef>
+              <a:fillRef idx="1">
+                <a:schemeClr val="lt1"/>
+              </a:fillRef>
+              <a:effectRef idx="0">
+                <a:schemeClr val="dk1"/>
+              </a:effectRef>
+              <a:fontRef idx="minor">
+                <a:schemeClr val="dk1"/>
+              </a:fontRef>
+            </p:style>
+            <p:txBody>
+              <a:bodyPr lIns="0" rIns="0" rtlCol="0" anchor="ctr"/>
+              <a:lstStyle/>
+              <a:p>
+                <a:pPr algn="ctr"/>
+                <a:r>
+                  <a:rPr kumimoji="1" lang="en-US" altLang="ja-JP" sz="2400" dirty="0"/>
+                  <a:t>8</a:t>
+                </a:r>
+                <a:endParaRPr kumimoji="1" lang="ja-JP" altLang="en-US" sz="2400" dirty="0"/>
+              </a:p>
+            </p:txBody>
+          </p:sp>
+          <p:sp>
+            <p:nvSpPr>
+              <p:cNvPr id="41" name="正方形/長方形 40"/>
+              <p:cNvSpPr/>
+              <p:nvPr/>
+            </p:nvSpPr>
+            <p:spPr>
+              <a:xfrm>
+                <a:off x="216568" y="1838937"/>
+                <a:ext cx="360000" cy="360000"/>
+              </a:xfrm>
+              <a:prstGeom prst="rect">
+                <a:avLst/>
+              </a:prstGeom>
+            </p:spPr>
+            <p:style>
+              <a:lnRef idx="2">
+                <a:schemeClr val="dk1"/>
+              </a:lnRef>
+              <a:fillRef idx="1">
+                <a:schemeClr val="lt1"/>
+              </a:fillRef>
+              <a:effectRef idx="0">
+                <a:schemeClr val="dk1"/>
+              </a:effectRef>
+              <a:fontRef idx="minor">
+                <a:schemeClr val="dk1"/>
+              </a:fontRef>
+            </p:style>
+            <p:txBody>
+              <a:bodyPr lIns="0" rIns="0" rtlCol="0" anchor="ctr"/>
+              <a:lstStyle/>
+              <a:p>
+                <a:pPr algn="ctr"/>
+                <a:r>
+                  <a:rPr kumimoji="1" lang="en-US" altLang="ja-JP" sz="2400" dirty="0"/>
+                  <a:t>9</a:t>
+                </a:r>
+                <a:endParaRPr kumimoji="1" lang="ja-JP" altLang="en-US" sz="2400" dirty="0"/>
+              </a:p>
+            </p:txBody>
+          </p:sp>
+          <p:sp>
+            <p:nvSpPr>
+              <p:cNvPr id="42" name="正方形/長方形 41"/>
+              <p:cNvSpPr/>
+              <p:nvPr/>
+            </p:nvSpPr>
+            <p:spPr>
+              <a:xfrm>
+                <a:off x="576568" y="1838937"/>
+                <a:ext cx="360000" cy="360000"/>
+              </a:xfrm>
+              <a:prstGeom prst="rect">
+                <a:avLst/>
+              </a:prstGeom>
+            </p:spPr>
+            <p:style>
+              <a:lnRef idx="2">
+                <a:schemeClr val="dk1"/>
+              </a:lnRef>
+              <a:fillRef idx="1">
+                <a:schemeClr val="lt1"/>
+              </a:fillRef>
+              <a:effectRef idx="0">
+                <a:schemeClr val="dk1"/>
+              </a:effectRef>
+              <a:fontRef idx="minor">
+                <a:schemeClr val="dk1"/>
+              </a:fontRef>
+            </p:style>
+            <p:txBody>
+              <a:bodyPr lIns="0" rIns="0" rtlCol="0" anchor="ctr"/>
+              <a:lstStyle/>
+              <a:p>
+                <a:pPr algn="ctr"/>
+                <a:r>
+                  <a:rPr kumimoji="1" lang="en-US" altLang="ja-JP" sz="2400" dirty="0"/>
+                  <a:t>10</a:t>
+                </a:r>
+                <a:endParaRPr kumimoji="1" lang="ja-JP" altLang="en-US" sz="2400" dirty="0"/>
+              </a:p>
+            </p:txBody>
+          </p:sp>
+          <p:sp>
+            <p:nvSpPr>
+              <p:cNvPr id="43" name="正方形/長方形 42"/>
+              <p:cNvSpPr/>
+              <p:nvPr/>
+            </p:nvSpPr>
+            <p:spPr>
+              <a:xfrm>
+                <a:off x="936568" y="1838937"/>
+                <a:ext cx="360000" cy="360000"/>
+              </a:xfrm>
+              <a:prstGeom prst="rect">
+                <a:avLst/>
+              </a:prstGeom>
+            </p:spPr>
+            <p:style>
+              <a:lnRef idx="2">
+                <a:schemeClr val="dk1"/>
+              </a:lnRef>
+              <a:fillRef idx="1">
+                <a:schemeClr val="lt1"/>
+              </a:fillRef>
+              <a:effectRef idx="0">
+                <a:schemeClr val="dk1"/>
+              </a:effectRef>
+              <a:fontRef idx="minor">
+                <a:schemeClr val="dk1"/>
+              </a:fontRef>
+            </p:style>
+            <p:txBody>
+              <a:bodyPr lIns="0" rIns="0" rtlCol="0" anchor="ctr"/>
+              <a:lstStyle/>
+              <a:p>
+                <a:pPr algn="ctr"/>
+                <a:r>
+                  <a:rPr kumimoji="1" lang="en-US" altLang="ja-JP" sz="2400" dirty="0"/>
+                  <a:t>11</a:t>
+                </a:r>
+                <a:endParaRPr kumimoji="1" lang="ja-JP" altLang="en-US" sz="2400" dirty="0"/>
+              </a:p>
+            </p:txBody>
+          </p:sp>
+          <p:sp>
+            <p:nvSpPr>
+              <p:cNvPr id="44" name="正方形/長方形 43"/>
+              <p:cNvSpPr/>
+              <p:nvPr/>
+            </p:nvSpPr>
+            <p:spPr>
+              <a:xfrm>
+                <a:off x="1296568" y="1838937"/>
+                <a:ext cx="360000" cy="360000"/>
+              </a:xfrm>
+              <a:prstGeom prst="rect">
+                <a:avLst/>
+              </a:prstGeom>
+            </p:spPr>
+            <p:style>
+              <a:lnRef idx="2">
+                <a:schemeClr val="dk1"/>
+              </a:lnRef>
+              <a:fillRef idx="1">
+                <a:schemeClr val="lt1"/>
+              </a:fillRef>
+              <a:effectRef idx="0">
+                <a:schemeClr val="dk1"/>
+              </a:effectRef>
+              <a:fontRef idx="minor">
+                <a:schemeClr val="dk1"/>
+              </a:fontRef>
+            </p:style>
+            <p:txBody>
+              <a:bodyPr lIns="0" rIns="0" rtlCol="0" anchor="ctr"/>
+              <a:lstStyle/>
+              <a:p>
+                <a:pPr algn="ctr"/>
+                <a:r>
+                  <a:rPr kumimoji="1" lang="en-US" altLang="ja-JP" sz="2400" dirty="0"/>
+                  <a:t>12</a:t>
+                </a:r>
+                <a:endParaRPr kumimoji="1" lang="ja-JP" altLang="en-US" sz="2400" dirty="0"/>
+              </a:p>
+            </p:txBody>
+          </p:sp>
+          <p:sp>
+            <p:nvSpPr>
+              <p:cNvPr id="45" name="正方形/長方形 44"/>
+              <p:cNvSpPr/>
+              <p:nvPr/>
+            </p:nvSpPr>
+            <p:spPr>
+              <a:xfrm>
+                <a:off x="216568" y="2198937"/>
+                <a:ext cx="360000" cy="360000"/>
+              </a:xfrm>
+              <a:prstGeom prst="rect">
+                <a:avLst/>
+              </a:prstGeom>
+            </p:spPr>
+            <p:style>
+              <a:lnRef idx="2">
+                <a:schemeClr val="dk1"/>
+              </a:lnRef>
+              <a:fillRef idx="1">
+                <a:schemeClr val="lt1"/>
+              </a:fillRef>
+              <a:effectRef idx="0">
+                <a:schemeClr val="dk1"/>
+              </a:effectRef>
+              <a:fontRef idx="minor">
+                <a:schemeClr val="dk1"/>
+              </a:fontRef>
+            </p:style>
+            <p:txBody>
+              <a:bodyPr lIns="0" rIns="0" rtlCol="0" anchor="ctr"/>
+              <a:lstStyle/>
+              <a:p>
+                <a:pPr algn="ctr"/>
+                <a:r>
+                  <a:rPr kumimoji="1" lang="en-US" altLang="ja-JP" sz="2400" dirty="0"/>
+                  <a:t>13</a:t>
+                </a:r>
+                <a:endParaRPr kumimoji="1" lang="ja-JP" altLang="en-US" sz="2400" dirty="0"/>
+              </a:p>
+            </p:txBody>
+          </p:sp>
+          <p:sp>
+            <p:nvSpPr>
+              <p:cNvPr id="46" name="正方形/長方形 45"/>
+              <p:cNvSpPr/>
+              <p:nvPr/>
+            </p:nvSpPr>
+            <p:spPr>
+              <a:xfrm>
+                <a:off x="576568" y="2198937"/>
+                <a:ext cx="360000" cy="360000"/>
+              </a:xfrm>
+              <a:prstGeom prst="rect">
+                <a:avLst/>
+              </a:prstGeom>
+            </p:spPr>
+            <p:style>
+              <a:lnRef idx="2">
+                <a:schemeClr val="dk1"/>
+              </a:lnRef>
+              <a:fillRef idx="1">
+                <a:schemeClr val="lt1"/>
+              </a:fillRef>
+              <a:effectRef idx="0">
+                <a:schemeClr val="dk1"/>
+              </a:effectRef>
+              <a:fontRef idx="minor">
+                <a:schemeClr val="dk1"/>
+              </a:fontRef>
+            </p:style>
+            <p:txBody>
+              <a:bodyPr lIns="0" rIns="0" rtlCol="0" anchor="ctr"/>
+              <a:lstStyle/>
+              <a:p>
+                <a:pPr algn="ctr"/>
+                <a:r>
+                  <a:rPr kumimoji="1" lang="en-US" altLang="ja-JP" sz="2400" dirty="0"/>
+                  <a:t>14</a:t>
+                </a:r>
+                <a:endParaRPr kumimoji="1" lang="ja-JP" altLang="en-US" sz="2400" dirty="0"/>
+              </a:p>
+            </p:txBody>
+          </p:sp>
+          <p:sp>
+            <p:nvSpPr>
+              <p:cNvPr id="47" name="正方形/長方形 46"/>
+              <p:cNvSpPr/>
+              <p:nvPr/>
+            </p:nvSpPr>
+            <p:spPr>
+              <a:xfrm>
+                <a:off x="936568" y="2198937"/>
+                <a:ext cx="360000" cy="360000"/>
+              </a:xfrm>
+              <a:prstGeom prst="rect">
+                <a:avLst/>
+              </a:prstGeom>
+            </p:spPr>
+            <p:style>
+              <a:lnRef idx="2">
+                <a:schemeClr val="dk1"/>
+              </a:lnRef>
+              <a:fillRef idx="1">
+                <a:schemeClr val="lt1"/>
+              </a:fillRef>
+              <a:effectRef idx="0">
+                <a:schemeClr val="dk1"/>
+              </a:effectRef>
+              <a:fontRef idx="minor">
+                <a:schemeClr val="dk1"/>
+              </a:fontRef>
+            </p:style>
+            <p:txBody>
+              <a:bodyPr lIns="0" rIns="0" rtlCol="0" anchor="ctr"/>
+              <a:lstStyle/>
+              <a:p>
+                <a:pPr algn="ctr"/>
+                <a:r>
+                  <a:rPr kumimoji="1" lang="en-US" altLang="ja-JP" sz="2400" dirty="0"/>
+                  <a:t>15</a:t>
+                </a:r>
+                <a:endParaRPr kumimoji="1" lang="ja-JP" altLang="en-US" sz="2400" dirty="0"/>
+              </a:p>
+            </p:txBody>
+          </p:sp>
+          <p:sp>
+            <p:nvSpPr>
+              <p:cNvPr id="48" name="正方形/長方形 47"/>
+              <p:cNvSpPr/>
+              <p:nvPr/>
+            </p:nvSpPr>
+            <p:spPr>
+              <a:xfrm>
+                <a:off x="1296568" y="2198937"/>
+                <a:ext cx="360000" cy="360000"/>
+              </a:xfrm>
+              <a:prstGeom prst="rect">
+                <a:avLst/>
+              </a:prstGeom>
+            </p:spPr>
+            <p:style>
+              <a:lnRef idx="2">
+                <a:schemeClr val="dk1"/>
+              </a:lnRef>
+              <a:fillRef idx="1">
+                <a:schemeClr val="lt1"/>
+              </a:fillRef>
+              <a:effectRef idx="0">
+                <a:schemeClr val="dk1"/>
+              </a:effectRef>
+              <a:fontRef idx="minor">
+                <a:schemeClr val="dk1"/>
+              </a:fontRef>
+            </p:style>
+            <p:txBody>
+              <a:bodyPr lIns="0" rIns="0" rtlCol="0" anchor="ctr"/>
+              <a:lstStyle/>
+              <a:p>
+                <a:pPr algn="ctr"/>
+                <a:r>
+                  <a:rPr kumimoji="1" lang="en-US" altLang="ja-JP" sz="2400" dirty="0"/>
+                  <a:t>16</a:t>
+                </a:r>
+                <a:endParaRPr kumimoji="1" lang="ja-JP" altLang="en-US" sz="2400" dirty="0"/>
+              </a:p>
+            </p:txBody>
+          </p:sp>
+        </p:grpSp>
+        <p:grpSp>
+          <p:nvGrpSpPr>
+            <p:cNvPr id="68" name="グループ化 67"/>
+            <p:cNvGrpSpPr/>
+            <p:nvPr/>
+          </p:nvGrpSpPr>
+          <p:grpSpPr>
+            <a:xfrm>
+              <a:off x="2538255" y="2441225"/>
+              <a:ext cx="1619250" cy="422117"/>
+              <a:chOff x="2538255" y="2441225"/>
+              <a:chExt cx="1619250" cy="422117"/>
+            </a:xfrm>
+          </p:grpSpPr>
+          <p:sp>
+            <p:nvSpPr>
+              <p:cNvPr id="27" name="矢印: 右 26"/>
+              <p:cNvSpPr/>
+              <p:nvPr/>
+            </p:nvSpPr>
+            <p:spPr>
+              <a:xfrm>
+                <a:off x="2538255" y="2698242"/>
+                <a:ext cx="1619250" cy="165100"/>
+              </a:xfrm>
+              <a:prstGeom prst="rightArrow">
+                <a:avLst/>
+              </a:prstGeom>
+            </p:spPr>
+            <p:style>
+              <a:lnRef idx="2">
+                <a:schemeClr val="accent1">
+                  <a:shade val="50000"/>
+                </a:schemeClr>
+              </a:lnRef>
+              <a:fillRef idx="1">
+                <a:schemeClr val="accent1"/>
+              </a:fillRef>
+              <a:effectRef idx="0">
+                <a:schemeClr val="accent1"/>
+              </a:effectRef>
+              <a:fontRef idx="minor">
+                <a:schemeClr val="lt1"/>
+              </a:fontRef>
+            </p:style>
+            <p:txBody>
+              <a:bodyPr rtlCol="0" anchor="ctr"/>
+              <a:lstStyle/>
+              <a:p>
+                <a:pPr algn="ctr"/>
+                <a:endParaRPr kumimoji="1" lang="ja-JP" altLang="en-US"/>
+              </a:p>
+            </p:txBody>
+          </p:sp>
+          <p:grpSp>
+            <p:nvGrpSpPr>
+              <p:cNvPr id="67" name="グループ化 66"/>
+              <p:cNvGrpSpPr/>
+              <p:nvPr/>
+            </p:nvGrpSpPr>
+            <p:grpSpPr>
+              <a:xfrm>
+                <a:off x="2614525" y="2441225"/>
+                <a:ext cx="1466710" cy="211095"/>
+                <a:chOff x="1477340" y="3690547"/>
+                <a:chExt cx="2501323" cy="360000"/>
+              </a:xfrm>
+            </p:grpSpPr>
+            <p:sp>
+              <p:nvSpPr>
+                <p:cNvPr id="51" name="正方形/長方形 50"/>
+                <p:cNvSpPr/>
+                <p:nvPr/>
+              </p:nvSpPr>
+              <p:spPr>
+                <a:xfrm>
+                  <a:off x="3618663" y="3690547"/>
+                  <a:ext cx="360000" cy="360000"/>
+                </a:xfrm>
+                <a:prstGeom prst="rect">
+                  <a:avLst/>
+                </a:prstGeom>
+              </p:spPr>
+              <p:style>
+                <a:lnRef idx="2">
+                  <a:schemeClr val="dk1"/>
+                </a:lnRef>
+                <a:fillRef idx="1">
+                  <a:schemeClr val="lt1"/>
+                </a:fillRef>
+                <a:effectRef idx="0">
+                  <a:schemeClr val="dk1"/>
+                </a:effectRef>
+                <a:fontRef idx="minor">
+                  <a:schemeClr val="dk1"/>
+                </a:fontRef>
+              </p:style>
+              <p:txBody>
+                <a:bodyPr lIns="0" rIns="0" rtlCol="0" anchor="ctr"/>
+                <a:lstStyle/>
+                <a:p>
+                  <a:pPr algn="ctr"/>
+                  <a:r>
+                    <a:rPr kumimoji="1" lang="en-US" altLang="ja-JP" dirty="0"/>
+                    <a:t>1</a:t>
+                  </a:r>
+                  <a:endParaRPr kumimoji="1" lang="ja-JP" altLang="en-US" dirty="0"/>
+                </a:p>
+              </p:txBody>
+            </p:sp>
+            <p:sp>
+              <p:nvSpPr>
+                <p:cNvPr id="52" name="正方形/長方形 51"/>
+                <p:cNvSpPr/>
+                <p:nvPr/>
+              </p:nvSpPr>
+              <p:spPr>
+                <a:xfrm>
+                  <a:off x="3190400" y="3690547"/>
+                  <a:ext cx="360000" cy="360000"/>
+                </a:xfrm>
+                <a:prstGeom prst="rect">
+                  <a:avLst/>
+                </a:prstGeom>
+              </p:spPr>
+              <p:style>
+                <a:lnRef idx="2">
+                  <a:schemeClr val="dk1"/>
+                </a:lnRef>
+                <a:fillRef idx="1">
+                  <a:schemeClr val="lt1"/>
+                </a:fillRef>
+                <a:effectRef idx="0">
+                  <a:schemeClr val="dk1"/>
+                </a:effectRef>
+                <a:fontRef idx="minor">
+                  <a:schemeClr val="dk1"/>
+                </a:fontRef>
+              </p:style>
+              <p:txBody>
+                <a:bodyPr lIns="0" rIns="0" rtlCol="0" anchor="ctr"/>
+                <a:lstStyle/>
+                <a:p>
+                  <a:pPr algn="ctr"/>
+                  <a:r>
+                    <a:rPr kumimoji="1" lang="en-US" altLang="ja-JP" dirty="0"/>
+                    <a:t>2</a:t>
+                  </a:r>
+                  <a:endParaRPr kumimoji="1" lang="ja-JP" altLang="en-US" dirty="0"/>
+                </a:p>
+              </p:txBody>
+            </p:sp>
+            <p:sp>
+              <p:nvSpPr>
+                <p:cNvPr id="53" name="正方形/長方形 52"/>
+                <p:cNvSpPr/>
+                <p:nvPr/>
+              </p:nvSpPr>
+              <p:spPr>
+                <a:xfrm>
+                  <a:off x="2762135" y="3690547"/>
+                  <a:ext cx="360000" cy="360000"/>
+                </a:xfrm>
+                <a:prstGeom prst="rect">
+                  <a:avLst/>
+                </a:prstGeom>
+              </p:spPr>
+              <p:style>
+                <a:lnRef idx="2">
+                  <a:schemeClr val="dk1"/>
+                </a:lnRef>
+                <a:fillRef idx="1">
+                  <a:schemeClr val="lt1"/>
+                </a:fillRef>
+                <a:effectRef idx="0">
+                  <a:schemeClr val="dk1"/>
+                </a:effectRef>
+                <a:fontRef idx="minor">
+                  <a:schemeClr val="dk1"/>
+                </a:fontRef>
+              </p:style>
+              <p:txBody>
+                <a:bodyPr lIns="0" rIns="0" rtlCol="0" anchor="ctr"/>
+                <a:lstStyle/>
+                <a:p>
+                  <a:pPr algn="ctr"/>
+                  <a:r>
+                    <a:rPr kumimoji="1" lang="en-US" altLang="ja-JP" dirty="0"/>
+                    <a:t>3</a:t>
+                  </a:r>
+                  <a:endParaRPr kumimoji="1" lang="ja-JP" altLang="en-US" dirty="0"/>
+                </a:p>
+              </p:txBody>
+            </p:sp>
+            <p:sp>
+              <p:nvSpPr>
+                <p:cNvPr id="54" name="正方形/長方形 53"/>
+                <p:cNvSpPr/>
+                <p:nvPr/>
+              </p:nvSpPr>
+              <p:spPr>
+                <a:xfrm>
+                  <a:off x="2333870" y="3690547"/>
+                  <a:ext cx="360000" cy="360000"/>
+                </a:xfrm>
+                <a:prstGeom prst="rect">
+                  <a:avLst/>
+                </a:prstGeom>
+              </p:spPr>
+              <p:style>
+                <a:lnRef idx="2">
+                  <a:schemeClr val="dk1"/>
+                </a:lnRef>
+                <a:fillRef idx="1">
+                  <a:schemeClr val="lt1"/>
+                </a:fillRef>
+                <a:effectRef idx="0">
+                  <a:schemeClr val="dk1"/>
+                </a:effectRef>
+                <a:fontRef idx="minor">
+                  <a:schemeClr val="dk1"/>
+                </a:fontRef>
+              </p:style>
+              <p:txBody>
+                <a:bodyPr lIns="0" rIns="0" rtlCol="0" anchor="ctr"/>
+                <a:lstStyle/>
+                <a:p>
+                  <a:pPr algn="ctr"/>
+                  <a:r>
+                    <a:rPr kumimoji="1" lang="en-US" altLang="ja-JP" dirty="0"/>
+                    <a:t>4</a:t>
+                  </a:r>
+                  <a:endParaRPr kumimoji="1" lang="ja-JP" altLang="en-US" dirty="0"/>
+                </a:p>
+              </p:txBody>
+            </p:sp>
+            <p:sp>
+              <p:nvSpPr>
+                <p:cNvPr id="55" name="正方形/長方形 54"/>
+                <p:cNvSpPr/>
+                <p:nvPr/>
+              </p:nvSpPr>
+              <p:spPr>
+                <a:xfrm>
+                  <a:off x="1905605" y="3690547"/>
+                  <a:ext cx="360000" cy="360000"/>
+                </a:xfrm>
+                <a:prstGeom prst="rect">
+                  <a:avLst/>
+                </a:prstGeom>
+              </p:spPr>
+              <p:style>
+                <a:lnRef idx="2">
+                  <a:schemeClr val="dk1"/>
+                </a:lnRef>
+                <a:fillRef idx="1">
+                  <a:schemeClr val="lt1"/>
+                </a:fillRef>
+                <a:effectRef idx="0">
+                  <a:schemeClr val="dk1"/>
+                </a:effectRef>
+                <a:fontRef idx="minor">
+                  <a:schemeClr val="dk1"/>
+                </a:fontRef>
+              </p:style>
+              <p:txBody>
+                <a:bodyPr lIns="0" rIns="0" rtlCol="0" anchor="ctr"/>
+                <a:lstStyle/>
+                <a:p>
+                  <a:pPr algn="ctr"/>
+                  <a:r>
+                    <a:rPr kumimoji="1" lang="en-US" altLang="ja-JP" dirty="0"/>
+                    <a:t>5</a:t>
+                  </a:r>
+                  <a:endParaRPr kumimoji="1" lang="ja-JP" altLang="en-US" dirty="0"/>
+                </a:p>
+              </p:txBody>
+            </p:sp>
+            <p:sp>
+              <p:nvSpPr>
+                <p:cNvPr id="56" name="正方形/長方形 55"/>
+                <p:cNvSpPr/>
+                <p:nvPr/>
+              </p:nvSpPr>
+              <p:spPr>
+                <a:xfrm>
+                  <a:off x="1477340" y="3690547"/>
+                  <a:ext cx="360000" cy="360000"/>
+                </a:xfrm>
+                <a:prstGeom prst="rect">
+                  <a:avLst/>
+                </a:prstGeom>
+              </p:spPr>
+              <p:style>
+                <a:lnRef idx="2">
+                  <a:schemeClr val="dk1"/>
+                </a:lnRef>
+                <a:fillRef idx="1">
+                  <a:schemeClr val="lt1"/>
+                </a:fillRef>
+                <a:effectRef idx="0">
+                  <a:schemeClr val="dk1"/>
+                </a:effectRef>
+                <a:fontRef idx="minor">
+                  <a:schemeClr val="dk1"/>
+                </a:fontRef>
+              </p:style>
+              <p:txBody>
+                <a:bodyPr lIns="0" rIns="0" rtlCol="0" anchor="ctr"/>
+                <a:lstStyle/>
+                <a:p>
+                  <a:pPr algn="ctr"/>
+                  <a:r>
+                    <a:rPr kumimoji="1" lang="en-US" altLang="ja-JP" dirty="0"/>
+                    <a:t>…</a:t>
+                  </a:r>
+                  <a:endParaRPr kumimoji="1" lang="ja-JP" altLang="en-US" dirty="0"/>
+                </a:p>
+              </p:txBody>
+            </p:sp>
+          </p:grpSp>
+        </p:grpSp>
+        <p:grpSp>
+          <p:nvGrpSpPr>
+            <p:cNvPr id="85" name="グループ化 84"/>
+            <p:cNvGrpSpPr/>
+            <p:nvPr/>
+          </p:nvGrpSpPr>
+          <p:grpSpPr>
+            <a:xfrm>
+              <a:off x="4197533" y="2015626"/>
+              <a:ext cx="2977968" cy="1530332"/>
+              <a:chOff x="4197533" y="1861516"/>
+              <a:chExt cx="2977968" cy="1530332"/>
+            </a:xfrm>
+          </p:grpSpPr>
+          <p:sp>
+            <p:nvSpPr>
+              <p:cNvPr id="29" name="四角形: 角を丸くする 28"/>
+              <p:cNvSpPr/>
+              <p:nvPr/>
+            </p:nvSpPr>
+            <p:spPr>
+              <a:xfrm>
+                <a:off x="4197533" y="1861516"/>
+                <a:ext cx="2977968" cy="1530332"/>
+              </a:xfrm>
+              <a:prstGeom prst="roundRect">
+                <a:avLst>
+                  <a:gd name="adj" fmla="val 6434"/>
+                </a:avLst>
+              </a:prstGeom>
+            </p:spPr>
+            <p:style>
+              <a:lnRef idx="2">
+                <a:schemeClr val="dk1"/>
+              </a:lnRef>
+              <a:fillRef idx="1">
+                <a:schemeClr val="lt1"/>
+              </a:fillRef>
+              <a:effectRef idx="0">
+                <a:schemeClr val="dk1"/>
+              </a:effectRef>
+              <a:fontRef idx="minor">
+                <a:schemeClr val="dk1"/>
+              </a:fontRef>
+            </p:style>
+            <p:txBody>
+              <a:bodyPr tIns="0" bIns="0" rtlCol="0" anchor="t"/>
+              <a:lstStyle/>
+              <a:p>
+                <a:pPr algn="ctr"/>
+                <a:r>
+                  <a:rPr kumimoji="1" lang="en-US" altLang="ja-JP" sz="2800" dirty="0"/>
+                  <a:t>FPGA</a:t>
+                </a:r>
+                <a:endParaRPr kumimoji="1" lang="ja-JP" altLang="en-US" sz="2800" dirty="0"/>
+              </a:p>
+            </p:txBody>
+          </p:sp>
+          <p:grpSp>
+            <p:nvGrpSpPr>
+              <p:cNvPr id="77" name="グループ化 76"/>
+              <p:cNvGrpSpPr/>
+              <p:nvPr/>
+            </p:nvGrpSpPr>
+            <p:grpSpPr>
+              <a:xfrm>
+                <a:off x="4327785" y="2333186"/>
+                <a:ext cx="2717464" cy="914400"/>
+                <a:chOff x="4292808" y="2321154"/>
+                <a:chExt cx="2717464" cy="914400"/>
+              </a:xfrm>
+            </p:grpSpPr>
+            <p:sp>
+              <p:nvSpPr>
+                <p:cNvPr id="71" name="正方形/長方形 70"/>
+                <p:cNvSpPr/>
+                <p:nvPr/>
+              </p:nvSpPr>
+              <p:spPr>
+                <a:xfrm>
+                  <a:off x="4292808" y="2321154"/>
+                  <a:ext cx="1105865" cy="914400"/>
+                </a:xfrm>
+                <a:prstGeom prst="rect">
+                  <a:avLst/>
+                </a:prstGeom>
+              </p:spPr>
+              <p:style>
+                <a:lnRef idx="2">
+                  <a:schemeClr val="dk1"/>
+                </a:lnRef>
+                <a:fillRef idx="1">
+                  <a:schemeClr val="lt1"/>
+                </a:fillRef>
+                <a:effectRef idx="0">
+                  <a:schemeClr val="dk1"/>
+                </a:effectRef>
+                <a:fontRef idx="minor">
+                  <a:schemeClr val="dk1"/>
+                </a:fontRef>
+              </p:style>
+              <p:txBody>
+                <a:bodyPr rtlCol="0" anchor="ctr"/>
+                <a:lstStyle/>
+                <a:p>
+                  <a:pPr algn="ctr"/>
+                  <a:r>
+                    <a:rPr kumimoji="1" lang="en-US" altLang="ja-JP" dirty="0"/>
+                    <a:t>3</a:t>
+                  </a:r>
+                  <a:r>
+                    <a:rPr kumimoji="1" lang="ja-JP" altLang="en-US" dirty="0"/>
+                    <a:t>ラインバッファ</a:t>
+                  </a:r>
+                </a:p>
+              </p:txBody>
+            </p:sp>
+            <mc:AlternateContent xmlns:mc="http://schemas.openxmlformats.org/markup-compatibility/2006">
+              <mc:Choice xmlns:a14="http://schemas.microsoft.com/office/drawing/2010/main" Requires="a14">
+                <p:sp>
+                  <p:nvSpPr>
+                    <p:cNvPr id="72" name="正方形/長方形 71"/>
+                    <p:cNvSpPr/>
+                    <p:nvPr/>
+                  </p:nvSpPr>
+                  <p:spPr>
+                    <a:xfrm>
+                      <a:off x="5904407" y="2321154"/>
+                      <a:ext cx="1105865" cy="914400"/>
+                    </a:xfrm>
+                    <a:prstGeom prst="rect">
+                      <a:avLst/>
+                    </a:prstGeom>
+                  </p:spPr>
+                  <p:style>
+                    <a:lnRef idx="2">
+                      <a:schemeClr val="dk1"/>
+                    </a:lnRef>
+                    <a:fillRef idx="1">
+                      <a:schemeClr val="lt1"/>
+                    </a:fillRef>
+                    <a:effectRef idx="0">
+                      <a:schemeClr val="dk1"/>
+                    </a:effectRef>
+                    <a:fontRef idx="minor">
+                      <a:schemeClr val="dk1"/>
+                    </a:fontRef>
+                  </p:style>
+                  <p:txBody>
+                    <a:bodyPr rtlCol="0" anchor="ctr"/>
+                    <a:lstStyle/>
+                    <a:p>
+                      <a:pPr algn="ctr"/>
+                      <a14:m>
+                        <m:oMathPara xmlns:m="http://schemas.openxmlformats.org/officeDocument/2006/math">
+                          <m:oMathParaPr>
+                            <m:jc m:val="centerGroup"/>
+                          </m:oMathParaPr>
+                          <m:oMath xmlns:m="http://schemas.openxmlformats.org/officeDocument/2006/math">
+                            <m:r>
+                              <a:rPr kumimoji="1" lang="en-US" altLang="ja-JP" b="0" i="1" smtClean="0">
+                                <a:latin typeface="Cambria Math" panose="02040503050406030204" pitchFamily="18" charset="0"/>
+                              </a:rPr>
+                              <m:t>3×3</m:t>
+                            </m:r>
+                          </m:oMath>
+                        </m:oMathPara>
+                      </a14:m>
+                      <a:endParaRPr kumimoji="1" lang="en-US" altLang="ja-JP" dirty="0"/>
+                    </a:p>
+                    <a:p>
+                      <a:pPr algn="ctr"/>
+                      <a:r>
+                        <a:rPr kumimoji="1" lang="ja-JP" altLang="en-US" dirty="0"/>
+                        <a:t>フィルタ</a:t>
+                      </a:r>
+                    </a:p>
+                  </p:txBody>
+                </p:sp>
+              </mc:Choice>
+              <mc:Fallback>
+                <p:sp>
+                  <p:nvSpPr>
+                    <p:cNvPr id="72" name="正方形/長方形 71"/>
+                    <p:cNvSpPr>
+                      <a:spLocks noRot="1" noChangeAspect="1" noMove="1" noResize="1" noEditPoints="1" noAdjustHandles="1" noChangeArrowheads="1" noChangeShapeType="1" noTextEdit="1"/>
+                    </p:cNvSpPr>
+                    <p:nvPr/>
+                  </p:nvSpPr>
+                  <p:spPr>
+                    <a:xfrm>
+                      <a:off x="5904407" y="2321154"/>
+                      <a:ext cx="1105865" cy="914400"/>
+                    </a:xfrm>
+                    <a:prstGeom prst="rect">
+                      <a:avLst/>
+                    </a:prstGeom>
+                    <a:blipFill>
+                      <a:blip r:embed="rId2"/>
+                      <a:stretch>
+                        <a:fillRect l="-3804" r="-3804"/>
+                      </a:stretch>
+                    </a:blipFill>
+                  </p:spPr>
+                  <p:txBody>
+                    <a:bodyPr/>
+                    <a:lstStyle/>
+                    <a:p>
+                      <a:r>
+                        <a:rPr lang="ja-JP" altLang="en-US">
+                          <a:noFill/>
+                        </a:rPr>
+                        <a:t> </a:t>
+                      </a:r>
+                    </a:p>
+                  </p:txBody>
+                </p:sp>
+              </mc:Fallback>
+            </mc:AlternateContent>
+            <p:cxnSp>
+              <p:nvCxnSpPr>
+                <p:cNvPr id="74" name="直線矢印コネクタ 73"/>
+                <p:cNvCxnSpPr>
+                  <a:cxnSpLocks/>
+                </p:cNvCxnSpPr>
+                <p:nvPr/>
+              </p:nvCxnSpPr>
+              <p:spPr>
+                <a:xfrm>
+                  <a:off x="5398673" y="2778354"/>
+                  <a:ext cx="505734" cy="0"/>
+                </a:xfrm>
+                <a:prstGeom prst="straightConnector1">
+                  <a:avLst/>
+                </a:prstGeom>
+                <a:ln>
+                  <a:tailEnd type="triangle"/>
+                </a:ln>
+              </p:spPr>
+              <p:style>
+                <a:lnRef idx="1">
+                  <a:schemeClr val="accent1"/>
+                </a:lnRef>
+                <a:fillRef idx="0">
+                  <a:schemeClr val="accent1"/>
+                </a:fillRef>
+                <a:effectRef idx="0">
+                  <a:schemeClr val="accent1"/>
+                </a:effectRef>
+                <a:fontRef idx="minor">
+                  <a:schemeClr val="tx1"/>
+                </a:fontRef>
+              </p:style>
+            </p:cxnSp>
+            <p:cxnSp>
+              <p:nvCxnSpPr>
+                <p:cNvPr id="75" name="直線矢印コネクタ 74"/>
+                <p:cNvCxnSpPr/>
+                <p:nvPr/>
+              </p:nvCxnSpPr>
+              <p:spPr>
+                <a:xfrm>
+                  <a:off x="5398673" y="2555749"/>
+                  <a:ext cx="505734" cy="0"/>
+                </a:xfrm>
+                <a:prstGeom prst="straightConnector1">
+                  <a:avLst/>
+                </a:prstGeom>
+                <a:ln>
+                  <a:tailEnd type="triangle"/>
+                </a:ln>
+              </p:spPr>
+              <p:style>
+                <a:lnRef idx="1">
+                  <a:schemeClr val="accent1"/>
+                </a:lnRef>
+                <a:fillRef idx="0">
+                  <a:schemeClr val="accent1"/>
+                </a:fillRef>
+                <a:effectRef idx="0">
+                  <a:schemeClr val="accent1"/>
+                </a:effectRef>
+                <a:fontRef idx="minor">
+                  <a:schemeClr val="tx1"/>
+                </a:fontRef>
+              </p:style>
+            </p:cxnSp>
+            <p:cxnSp>
+              <p:nvCxnSpPr>
+                <p:cNvPr id="76" name="直線矢印コネクタ 75"/>
+                <p:cNvCxnSpPr/>
+                <p:nvPr/>
+              </p:nvCxnSpPr>
+              <p:spPr>
+                <a:xfrm>
+                  <a:off x="5398673" y="3000960"/>
+                  <a:ext cx="505734" cy="0"/>
+                </a:xfrm>
+                <a:prstGeom prst="straightConnector1">
+                  <a:avLst/>
+                </a:prstGeom>
+                <a:ln>
+                  <a:tailEnd type="triangle"/>
+                </a:ln>
+              </p:spPr>
+              <p:style>
+                <a:lnRef idx="1">
+                  <a:schemeClr val="accent1"/>
+                </a:lnRef>
+                <a:fillRef idx="0">
+                  <a:schemeClr val="accent1"/>
+                </a:fillRef>
+                <a:effectRef idx="0">
+                  <a:schemeClr val="accent1"/>
+                </a:effectRef>
+                <a:fontRef idx="minor">
+                  <a:schemeClr val="tx1"/>
+                </a:fontRef>
+              </p:style>
+            </p:cxnSp>
+          </p:grpSp>
+        </p:grpSp>
+      </p:grpSp>
+    </p:spTree>
+    <p:extLst>
+      <p:ext uri="{BB962C8B-B14F-4D97-AF65-F5344CB8AC3E}">
+        <p14:creationId xmlns:p14="http://schemas.microsoft.com/office/powerpoint/2010/main" val="568497210"/>
+      </p:ext>
+    </p:extLst>
+  </p:cSld>
+  <p:clrMapOvr>
+    <a:masterClrMapping/>
+  </p:clrMapOvr>
+</p:sld>
+</file>
+
+<file path=ppt/slides/slide5.xml><?xml version="1.0" encoding="utf-8"?>
+<p:sld xmlns:a="http://schemas.openxmlformats.org/drawingml/2006/main" xmlns:r="http://schemas.openxmlformats.org/officeDocument/2006/relationships" xmlns:p="http://schemas.openxmlformats.org/presentationml/2006/main">
+  <p:cSld>
+    <p:spTree>
+      <p:nvGrpSpPr>
+        <p:cNvPr id="1" name=""/>
+        <p:cNvGrpSpPr/>
+        <p:nvPr/>
+      </p:nvGrpSpPr>
+      <p:grpSpPr>
+        <a:xfrm>
+          <a:off x="0" y="0"/>
+          <a:ext cx="0" cy="0"/>
+          <a:chOff x="0" y="0"/>
+          <a:chExt cx="0" cy="0"/>
+        </a:xfrm>
+      </p:grpSpPr>
+      <p:grpSp>
+        <p:nvGrpSpPr>
+          <p:cNvPr id="41" name="グループ化 40"/>
+          <p:cNvGrpSpPr/>
+          <p:nvPr/>
+        </p:nvGrpSpPr>
+        <p:grpSpPr>
+          <a:xfrm>
+            <a:off x="2538255" y="2441225"/>
+            <a:ext cx="1619250" cy="422117"/>
+            <a:chOff x="2538255" y="2441225"/>
+            <a:chExt cx="1619250" cy="422117"/>
+          </a:xfrm>
+        </p:grpSpPr>
+        <p:sp>
+          <p:nvSpPr>
+            <p:cNvPr id="50" name="矢印: 右 49"/>
+            <p:cNvSpPr/>
+            <p:nvPr/>
+          </p:nvSpPr>
+          <p:spPr>
+            <a:xfrm>
+              <a:off x="2538255" y="2698242"/>
+              <a:ext cx="1619250" cy="165100"/>
+            </a:xfrm>
+            <a:prstGeom prst="rightArrow">
+              <a:avLst/>
+            </a:prstGeom>
+          </p:spPr>
+          <p:style>
+            <a:lnRef idx="2">
+              <a:schemeClr val="accent1">
+                <a:shade val="50000"/>
+              </a:schemeClr>
+            </a:lnRef>
+            <a:fillRef idx="1">
+              <a:schemeClr val="accent1"/>
+            </a:fillRef>
+            <a:effectRef idx="0">
+              <a:schemeClr val="accent1"/>
+            </a:effectRef>
+            <a:fontRef idx="minor">
+              <a:schemeClr val="lt1"/>
+            </a:fontRef>
+          </p:style>
+          <p:txBody>
+            <a:bodyPr rtlCol="0" anchor="ctr"/>
+            <a:lstStyle/>
+            <a:p>
+              <a:pPr algn="ctr"/>
+              <a:endParaRPr kumimoji="1" lang="ja-JP" altLang="en-US"/>
+            </a:p>
+          </p:txBody>
+        </p:sp>
+        <p:grpSp>
+          <p:nvGrpSpPr>
+            <p:cNvPr id="51" name="グループ化 50"/>
+            <p:cNvGrpSpPr/>
+            <p:nvPr/>
+          </p:nvGrpSpPr>
+          <p:grpSpPr>
+            <a:xfrm>
+              <a:off x="2614525" y="2441225"/>
+              <a:ext cx="1466710" cy="211095"/>
+              <a:chOff x="1477340" y="3690547"/>
+              <a:chExt cx="2501323" cy="360000"/>
+            </a:xfrm>
+          </p:grpSpPr>
+          <p:sp>
+            <p:nvSpPr>
+              <p:cNvPr id="52" name="正方形/長方形 51"/>
+              <p:cNvSpPr/>
+              <p:nvPr/>
+            </p:nvSpPr>
+            <p:spPr>
+              <a:xfrm>
+                <a:off x="3618663" y="3690547"/>
+                <a:ext cx="360000" cy="360000"/>
+              </a:xfrm>
+              <a:prstGeom prst="rect">
+                <a:avLst/>
+              </a:prstGeom>
+            </p:spPr>
+            <p:style>
+              <a:lnRef idx="2">
+                <a:schemeClr val="dk1"/>
+              </a:lnRef>
+              <a:fillRef idx="1">
+                <a:schemeClr val="lt1"/>
+              </a:fillRef>
+              <a:effectRef idx="0">
+                <a:schemeClr val="dk1"/>
+              </a:effectRef>
+              <a:fontRef idx="minor">
+                <a:schemeClr val="dk1"/>
+              </a:fontRef>
+            </p:style>
+            <p:txBody>
+              <a:bodyPr lIns="0" rIns="0" rtlCol="0" anchor="ctr"/>
+              <a:lstStyle/>
+              <a:p>
+                <a:pPr algn="ctr"/>
+                <a:r>
+                  <a:rPr kumimoji="1" lang="en-US" altLang="ja-JP" dirty="0"/>
+                  <a:t>1</a:t>
+                </a:r>
+                <a:endParaRPr kumimoji="1" lang="ja-JP" altLang="en-US" dirty="0"/>
+              </a:p>
+            </p:txBody>
+          </p:sp>
+          <p:sp>
+            <p:nvSpPr>
+              <p:cNvPr id="53" name="正方形/長方形 52"/>
+              <p:cNvSpPr/>
+              <p:nvPr/>
+            </p:nvSpPr>
+            <p:spPr>
+              <a:xfrm>
+                <a:off x="3190400" y="3690547"/>
+                <a:ext cx="360000" cy="360000"/>
+              </a:xfrm>
+              <a:prstGeom prst="rect">
+                <a:avLst/>
+              </a:prstGeom>
+            </p:spPr>
+            <p:style>
+              <a:lnRef idx="2">
+                <a:schemeClr val="dk1"/>
+              </a:lnRef>
+              <a:fillRef idx="1">
+                <a:schemeClr val="lt1"/>
+              </a:fillRef>
+              <a:effectRef idx="0">
+                <a:schemeClr val="dk1"/>
+              </a:effectRef>
+              <a:fontRef idx="minor">
+                <a:schemeClr val="dk1"/>
+              </a:fontRef>
+            </p:style>
+            <p:txBody>
+              <a:bodyPr lIns="0" rIns="0" rtlCol="0" anchor="ctr"/>
+              <a:lstStyle/>
+              <a:p>
+                <a:pPr algn="ctr"/>
+                <a:r>
+                  <a:rPr kumimoji="1" lang="en-US" altLang="ja-JP" dirty="0"/>
+                  <a:t>2</a:t>
+                </a:r>
+                <a:endParaRPr kumimoji="1" lang="ja-JP" altLang="en-US" dirty="0"/>
+              </a:p>
+            </p:txBody>
+          </p:sp>
+          <p:sp>
+            <p:nvSpPr>
+              <p:cNvPr id="54" name="正方形/長方形 53"/>
+              <p:cNvSpPr/>
+              <p:nvPr/>
+            </p:nvSpPr>
+            <p:spPr>
+              <a:xfrm>
+                <a:off x="2762135" y="3690547"/>
+                <a:ext cx="360000" cy="360000"/>
+              </a:xfrm>
+              <a:prstGeom prst="rect">
+                <a:avLst/>
+              </a:prstGeom>
+            </p:spPr>
+            <p:style>
+              <a:lnRef idx="2">
+                <a:schemeClr val="dk1"/>
+              </a:lnRef>
+              <a:fillRef idx="1">
+                <a:schemeClr val="lt1"/>
+              </a:fillRef>
+              <a:effectRef idx="0">
+                <a:schemeClr val="dk1"/>
+              </a:effectRef>
+              <a:fontRef idx="minor">
+                <a:schemeClr val="dk1"/>
+              </a:fontRef>
+            </p:style>
+            <p:txBody>
+              <a:bodyPr lIns="0" rIns="0" rtlCol="0" anchor="ctr"/>
+              <a:lstStyle/>
+              <a:p>
+                <a:pPr algn="ctr"/>
+                <a:r>
+                  <a:rPr kumimoji="1" lang="en-US" altLang="ja-JP" dirty="0"/>
+                  <a:t>3</a:t>
+                </a:r>
+                <a:endParaRPr kumimoji="1" lang="ja-JP" altLang="en-US" dirty="0"/>
+              </a:p>
+            </p:txBody>
+          </p:sp>
+          <p:sp>
+            <p:nvSpPr>
+              <p:cNvPr id="55" name="正方形/長方形 54"/>
+              <p:cNvSpPr/>
+              <p:nvPr/>
+            </p:nvSpPr>
+            <p:spPr>
+              <a:xfrm>
+                <a:off x="2333870" y="3690547"/>
+                <a:ext cx="360000" cy="360000"/>
+              </a:xfrm>
+              <a:prstGeom prst="rect">
+                <a:avLst/>
+              </a:prstGeom>
+            </p:spPr>
+            <p:style>
+              <a:lnRef idx="2">
+                <a:schemeClr val="dk1"/>
+              </a:lnRef>
+              <a:fillRef idx="1">
+                <a:schemeClr val="lt1"/>
+              </a:fillRef>
+              <a:effectRef idx="0">
+                <a:schemeClr val="dk1"/>
+              </a:effectRef>
+              <a:fontRef idx="minor">
+                <a:schemeClr val="dk1"/>
+              </a:fontRef>
+            </p:style>
+            <p:txBody>
+              <a:bodyPr lIns="0" rIns="0" rtlCol="0" anchor="ctr"/>
+              <a:lstStyle/>
+              <a:p>
+                <a:pPr algn="ctr"/>
+                <a:r>
+                  <a:rPr kumimoji="1" lang="en-US" altLang="ja-JP" dirty="0"/>
+                  <a:t>4</a:t>
+                </a:r>
+                <a:endParaRPr kumimoji="1" lang="ja-JP" altLang="en-US" dirty="0"/>
+              </a:p>
+            </p:txBody>
+          </p:sp>
+          <p:sp>
+            <p:nvSpPr>
+              <p:cNvPr id="56" name="正方形/長方形 55"/>
+              <p:cNvSpPr/>
+              <p:nvPr/>
+            </p:nvSpPr>
+            <p:spPr>
+              <a:xfrm>
+                <a:off x="1905605" y="3690547"/>
+                <a:ext cx="360000" cy="360000"/>
+              </a:xfrm>
+              <a:prstGeom prst="rect">
+                <a:avLst/>
+              </a:prstGeom>
+            </p:spPr>
+            <p:style>
+              <a:lnRef idx="2">
+                <a:schemeClr val="dk1"/>
+              </a:lnRef>
+              <a:fillRef idx="1">
+                <a:schemeClr val="lt1"/>
+              </a:fillRef>
+              <a:effectRef idx="0">
+                <a:schemeClr val="dk1"/>
+              </a:effectRef>
+              <a:fontRef idx="minor">
+                <a:schemeClr val="dk1"/>
+              </a:fontRef>
+            </p:style>
+            <p:txBody>
+              <a:bodyPr lIns="0" rIns="0" rtlCol="0" anchor="ctr"/>
+              <a:lstStyle/>
+              <a:p>
+                <a:pPr algn="ctr"/>
+                <a:r>
+                  <a:rPr kumimoji="1" lang="en-US" altLang="ja-JP" dirty="0"/>
+                  <a:t>5</a:t>
+                </a:r>
+                <a:endParaRPr kumimoji="1" lang="ja-JP" altLang="en-US" dirty="0"/>
+              </a:p>
+            </p:txBody>
+          </p:sp>
+          <p:sp>
+            <p:nvSpPr>
+              <p:cNvPr id="57" name="正方形/長方形 56"/>
+              <p:cNvSpPr/>
+              <p:nvPr/>
+            </p:nvSpPr>
+            <p:spPr>
+              <a:xfrm>
+                <a:off x="1477340" y="3690547"/>
+                <a:ext cx="360000" cy="360000"/>
+              </a:xfrm>
+              <a:prstGeom prst="rect">
+                <a:avLst/>
+              </a:prstGeom>
+            </p:spPr>
+            <p:style>
+              <a:lnRef idx="2">
+                <a:schemeClr val="dk1"/>
+              </a:lnRef>
+              <a:fillRef idx="1">
+                <a:schemeClr val="lt1"/>
+              </a:fillRef>
+              <a:effectRef idx="0">
+                <a:schemeClr val="dk1"/>
+              </a:effectRef>
+              <a:fontRef idx="minor">
+                <a:schemeClr val="dk1"/>
+              </a:fontRef>
+            </p:style>
+            <p:txBody>
+              <a:bodyPr lIns="0" rIns="0" rtlCol="0" anchor="ctr"/>
+              <a:lstStyle/>
+              <a:p>
+                <a:pPr algn="ctr"/>
+                <a:r>
+                  <a:rPr kumimoji="1" lang="en-US" altLang="ja-JP" dirty="0"/>
+                  <a:t>…</a:t>
+                </a:r>
+                <a:endParaRPr kumimoji="1" lang="ja-JP" altLang="en-US" dirty="0"/>
+              </a:p>
+            </p:txBody>
+          </p:sp>
+        </p:grpSp>
+      </p:grpSp>
+      <p:sp>
+        <p:nvSpPr>
+          <p:cNvPr id="45" name="正方形/長方形 44"/>
+          <p:cNvSpPr/>
+          <p:nvPr/>
+        </p:nvSpPr>
+        <p:spPr>
+          <a:xfrm>
+            <a:off x="4197532" y="1861516"/>
+            <a:ext cx="1365068" cy="1838552"/>
+          </a:xfrm>
+          <a:prstGeom prst="rect">
+            <a:avLst/>
+          </a:prstGeom>
+        </p:spPr>
+        <p:style>
+          <a:lnRef idx="2">
+            <a:schemeClr val="dk1"/>
+          </a:lnRef>
+          <a:fillRef idx="1">
+            <a:schemeClr val="lt1"/>
+          </a:fillRef>
+          <a:effectRef idx="0">
+            <a:schemeClr val="dk1"/>
+          </a:effectRef>
+          <a:fontRef idx="minor">
+            <a:schemeClr val="dk1"/>
+          </a:fontRef>
+        </p:style>
+        <p:txBody>
+          <a:bodyPr rtlCol="0" anchor="ctr"/>
+          <a:lstStyle/>
+          <a:p>
+            <a:pPr algn="ctr"/>
+            <a:r>
+              <a:rPr kumimoji="1" lang="en-US" altLang="ja-JP" dirty="0"/>
+              <a:t>3</a:t>
+            </a:r>
+            <a:r>
+              <a:rPr kumimoji="1" lang="ja-JP" altLang="en-US" dirty="0"/>
+              <a:t>ラインバッファ</a:t>
+            </a:r>
+          </a:p>
+        </p:txBody>
+      </p:sp>
+      <p:grpSp>
+        <p:nvGrpSpPr>
+          <p:cNvPr id="121" name="グループ化 120"/>
+          <p:cNvGrpSpPr/>
+          <p:nvPr/>
+        </p:nvGrpSpPr>
+        <p:grpSpPr>
+          <a:xfrm>
+            <a:off x="5602627" y="2565585"/>
+            <a:ext cx="1810998" cy="404231"/>
+            <a:chOff x="5602627" y="2547350"/>
+            <a:chExt cx="1810998" cy="404231"/>
+          </a:xfrm>
+        </p:grpSpPr>
+        <p:sp>
+          <p:nvSpPr>
+            <p:cNvPr id="75" name="矢印: 右 74"/>
+            <p:cNvSpPr/>
+            <p:nvPr/>
+          </p:nvSpPr>
+          <p:spPr>
+            <a:xfrm>
+              <a:off x="5602627" y="2786481"/>
+              <a:ext cx="1810998" cy="165100"/>
+            </a:xfrm>
+            <a:prstGeom prst="rightArrow">
+              <a:avLst/>
+            </a:prstGeom>
+          </p:spPr>
+          <p:style>
+            <a:lnRef idx="2">
+              <a:schemeClr val="accent1">
+                <a:shade val="50000"/>
+              </a:schemeClr>
+            </a:lnRef>
+            <a:fillRef idx="1">
+              <a:schemeClr val="accent1"/>
+            </a:fillRef>
+            <a:effectRef idx="0">
+              <a:schemeClr val="accent1"/>
+            </a:effectRef>
+            <a:fontRef idx="minor">
+              <a:schemeClr val="lt1"/>
+            </a:fontRef>
+          </p:style>
+          <p:txBody>
+            <a:bodyPr rtlCol="0" anchor="ctr"/>
+            <a:lstStyle/>
+            <a:p>
+              <a:pPr algn="ctr"/>
+              <a:endParaRPr kumimoji="1" lang="ja-JP" altLang="en-US"/>
+            </a:p>
+          </p:txBody>
+        </p:sp>
+        <p:sp>
+          <p:nvSpPr>
+            <p:cNvPr id="77" name="正方形/長方形 76"/>
+            <p:cNvSpPr/>
+            <p:nvPr/>
+          </p:nvSpPr>
+          <p:spPr>
+            <a:xfrm>
+              <a:off x="5911277" y="2549158"/>
+              <a:ext cx="220270" cy="220270"/>
+            </a:xfrm>
+            <a:prstGeom prst="rect">
+              <a:avLst/>
+            </a:prstGeom>
+          </p:spPr>
+          <p:style>
+            <a:lnRef idx="2">
+              <a:schemeClr val="dk1"/>
+            </a:lnRef>
+            <a:fillRef idx="1">
+              <a:schemeClr val="lt1"/>
+            </a:fillRef>
+            <a:effectRef idx="0">
+              <a:schemeClr val="dk1"/>
+            </a:effectRef>
+            <a:fontRef idx="minor">
+              <a:schemeClr val="dk1"/>
+            </a:fontRef>
+          </p:style>
+          <p:txBody>
+            <a:bodyPr lIns="0" rIns="0" rtlCol="0" anchor="ctr"/>
+            <a:lstStyle/>
+            <a:p>
+              <a:pPr algn="ctr"/>
+              <a:r>
+                <a:rPr kumimoji="1" lang="en-US" altLang="ja-JP" sz="1600" dirty="0"/>
+                <a:t>5</a:t>
+              </a:r>
+              <a:endParaRPr kumimoji="1" lang="ja-JP" altLang="en-US" sz="1600" dirty="0"/>
+            </a:p>
+          </p:txBody>
+        </p:sp>
+        <p:sp>
+          <p:nvSpPr>
+            <p:cNvPr id="80" name="正方形/長方形 79"/>
+            <p:cNvSpPr/>
+            <p:nvPr/>
+          </p:nvSpPr>
+          <p:spPr>
+            <a:xfrm>
+              <a:off x="5639139" y="2549158"/>
+              <a:ext cx="220270" cy="220270"/>
+            </a:xfrm>
+            <a:prstGeom prst="rect">
+              <a:avLst/>
+            </a:prstGeom>
+          </p:spPr>
+          <p:style>
+            <a:lnRef idx="2">
+              <a:schemeClr val="dk1"/>
+            </a:lnRef>
+            <a:fillRef idx="1">
+              <a:schemeClr val="lt1"/>
+            </a:fillRef>
+            <a:effectRef idx="0">
+              <a:schemeClr val="dk1"/>
+            </a:effectRef>
+            <a:fontRef idx="minor">
+              <a:schemeClr val="dk1"/>
+            </a:fontRef>
+          </p:style>
+          <p:txBody>
+            <a:bodyPr lIns="0" rIns="0" rtlCol="0" anchor="ctr"/>
+            <a:lstStyle/>
+            <a:p>
+              <a:pPr algn="ctr"/>
+              <a:r>
+                <a:rPr kumimoji="1" lang="en-US" altLang="ja-JP" sz="1600" dirty="0"/>
+                <a:t>…</a:t>
+              </a:r>
+              <a:endParaRPr kumimoji="1" lang="ja-JP" altLang="en-US" sz="1600" dirty="0"/>
+            </a:p>
+          </p:txBody>
+        </p:sp>
+        <p:sp>
+          <p:nvSpPr>
+            <p:cNvPr id="98" name="正方形/長方形 97"/>
+            <p:cNvSpPr/>
+            <p:nvPr/>
+          </p:nvSpPr>
+          <p:spPr>
+            <a:xfrm>
+              <a:off x="6999830" y="2547350"/>
+              <a:ext cx="220270" cy="220270"/>
+            </a:xfrm>
+            <a:prstGeom prst="rect">
+              <a:avLst/>
+            </a:prstGeom>
+          </p:spPr>
+          <p:style>
+            <a:lnRef idx="2">
+              <a:schemeClr val="dk1"/>
+            </a:lnRef>
+            <a:fillRef idx="1">
+              <a:schemeClr val="lt1"/>
+            </a:fillRef>
+            <a:effectRef idx="0">
+              <a:schemeClr val="dk1"/>
+            </a:effectRef>
+            <a:fontRef idx="minor">
+              <a:schemeClr val="dk1"/>
+            </a:fontRef>
+          </p:style>
+          <p:txBody>
+            <a:bodyPr lIns="0" rIns="0" rtlCol="0" anchor="ctr"/>
+            <a:lstStyle/>
+            <a:p>
+              <a:pPr algn="ctr"/>
+              <a:r>
+                <a:rPr kumimoji="1" lang="en-US" altLang="ja-JP" sz="1600" dirty="0"/>
+                <a:t>1</a:t>
+              </a:r>
+              <a:endParaRPr kumimoji="1" lang="ja-JP" altLang="en-US" sz="1600" dirty="0"/>
+            </a:p>
+          </p:txBody>
+        </p:sp>
+        <p:sp>
+          <p:nvSpPr>
+            <p:cNvPr id="102" name="正方形/長方形 101"/>
+            <p:cNvSpPr/>
+            <p:nvPr/>
+          </p:nvSpPr>
+          <p:spPr>
+            <a:xfrm>
+              <a:off x="6727693" y="2547350"/>
+              <a:ext cx="220270" cy="220270"/>
+            </a:xfrm>
+            <a:prstGeom prst="rect">
+              <a:avLst/>
+            </a:prstGeom>
+          </p:spPr>
+          <p:style>
+            <a:lnRef idx="2">
+              <a:schemeClr val="dk1"/>
+            </a:lnRef>
+            <a:fillRef idx="1">
+              <a:schemeClr val="lt1"/>
+            </a:fillRef>
+            <a:effectRef idx="0">
+              <a:schemeClr val="dk1"/>
+            </a:effectRef>
+            <a:fontRef idx="minor">
+              <a:schemeClr val="dk1"/>
+            </a:fontRef>
+          </p:style>
+          <p:txBody>
+            <a:bodyPr lIns="0" rIns="0" rtlCol="0" anchor="ctr"/>
+            <a:lstStyle/>
+            <a:p>
+              <a:pPr algn="ctr"/>
+              <a:r>
+                <a:rPr kumimoji="1" lang="en-US" altLang="ja-JP" sz="1600" dirty="0"/>
+                <a:t>2</a:t>
+              </a:r>
+              <a:endParaRPr kumimoji="1" lang="ja-JP" altLang="en-US" sz="1600" dirty="0"/>
+            </a:p>
+          </p:txBody>
+        </p:sp>
+        <p:sp>
+          <p:nvSpPr>
+            <p:cNvPr id="107" name="正方形/長方形 106"/>
+            <p:cNvSpPr/>
+            <p:nvPr/>
+          </p:nvSpPr>
+          <p:spPr>
+            <a:xfrm>
+              <a:off x="6455554" y="2547350"/>
+              <a:ext cx="220270" cy="220270"/>
+            </a:xfrm>
+            <a:prstGeom prst="rect">
+              <a:avLst/>
+            </a:prstGeom>
+          </p:spPr>
+          <p:style>
+            <a:lnRef idx="2">
+              <a:schemeClr val="dk1"/>
+            </a:lnRef>
+            <a:fillRef idx="1">
+              <a:schemeClr val="lt1"/>
+            </a:fillRef>
+            <a:effectRef idx="0">
+              <a:schemeClr val="dk1"/>
+            </a:effectRef>
+            <a:fontRef idx="minor">
+              <a:schemeClr val="dk1"/>
+            </a:fontRef>
+          </p:style>
+          <p:txBody>
+            <a:bodyPr lIns="0" rIns="0" rtlCol="0" anchor="ctr"/>
+            <a:lstStyle/>
+            <a:p>
+              <a:pPr algn="ctr"/>
+              <a:r>
+                <a:rPr kumimoji="1" lang="en-US" altLang="ja-JP" sz="1600" dirty="0"/>
+                <a:t>3</a:t>
+              </a:r>
+              <a:endParaRPr kumimoji="1" lang="ja-JP" altLang="en-US" sz="1600" dirty="0"/>
+            </a:p>
+          </p:txBody>
+        </p:sp>
+        <p:sp>
+          <p:nvSpPr>
+            <p:cNvPr id="113" name="正方形/長方形 112"/>
+            <p:cNvSpPr/>
+            <p:nvPr/>
+          </p:nvSpPr>
+          <p:spPr>
+            <a:xfrm>
+              <a:off x="6183416" y="2547350"/>
+              <a:ext cx="220270" cy="220270"/>
+            </a:xfrm>
+            <a:prstGeom prst="rect">
+              <a:avLst/>
+            </a:prstGeom>
+          </p:spPr>
+          <p:style>
+            <a:lnRef idx="2">
+              <a:schemeClr val="dk1"/>
+            </a:lnRef>
+            <a:fillRef idx="1">
+              <a:schemeClr val="lt1"/>
+            </a:fillRef>
+            <a:effectRef idx="0">
+              <a:schemeClr val="dk1"/>
+            </a:effectRef>
+            <a:fontRef idx="minor">
+              <a:schemeClr val="dk1"/>
+            </a:fontRef>
+          </p:style>
+          <p:txBody>
+            <a:bodyPr lIns="0" rIns="0" rtlCol="0" anchor="ctr"/>
+            <a:lstStyle/>
+            <a:p>
+              <a:pPr algn="ctr"/>
+              <a:r>
+                <a:rPr kumimoji="1" lang="en-US" altLang="ja-JP" sz="1600" dirty="0"/>
+                <a:t>4</a:t>
+              </a:r>
+              <a:endParaRPr kumimoji="1" lang="ja-JP" altLang="en-US" sz="1600" dirty="0"/>
+            </a:p>
+          </p:txBody>
+        </p:sp>
+      </p:grpSp>
+      <p:grpSp>
+        <p:nvGrpSpPr>
+          <p:cNvPr id="122" name="グループ化 121"/>
+          <p:cNvGrpSpPr/>
+          <p:nvPr/>
+        </p:nvGrpSpPr>
+        <p:grpSpPr>
+          <a:xfrm>
+            <a:off x="5602627" y="1990749"/>
+            <a:ext cx="1810998" cy="405550"/>
+            <a:chOff x="5602627" y="1990749"/>
+            <a:chExt cx="1810998" cy="405550"/>
+          </a:xfrm>
+        </p:grpSpPr>
+        <p:sp>
+          <p:nvSpPr>
+            <p:cNvPr id="76" name="正方形/長方形 75"/>
+            <p:cNvSpPr/>
+            <p:nvPr/>
+          </p:nvSpPr>
+          <p:spPr>
+            <a:xfrm>
+              <a:off x="5911277" y="1990749"/>
+              <a:ext cx="220270" cy="220270"/>
+            </a:xfrm>
+            <a:prstGeom prst="rect">
+              <a:avLst/>
+            </a:prstGeom>
+          </p:spPr>
+          <p:style>
+            <a:lnRef idx="2">
+              <a:schemeClr val="dk1"/>
+            </a:lnRef>
+            <a:fillRef idx="1">
+              <a:schemeClr val="lt1"/>
+            </a:fillRef>
+            <a:effectRef idx="0">
+              <a:schemeClr val="dk1"/>
+            </a:effectRef>
+            <a:fontRef idx="minor">
+              <a:schemeClr val="dk1"/>
+            </a:fontRef>
+          </p:style>
+          <p:txBody>
+            <a:bodyPr lIns="0" rIns="0" rtlCol="0" anchor="ctr"/>
+            <a:lstStyle/>
+            <a:p>
+              <a:pPr algn="ctr"/>
+              <a:r>
+                <a:rPr kumimoji="1" lang="en-US" altLang="ja-JP" sz="1600" dirty="0"/>
+                <a:t>1</a:t>
+              </a:r>
+              <a:endParaRPr kumimoji="1" lang="ja-JP" altLang="en-US" sz="1600" dirty="0"/>
+            </a:p>
+          </p:txBody>
+        </p:sp>
+        <p:sp>
+          <p:nvSpPr>
+            <p:cNvPr id="79" name="正方形/長方形 78"/>
+            <p:cNvSpPr/>
+            <p:nvPr/>
+          </p:nvSpPr>
+          <p:spPr>
+            <a:xfrm>
+              <a:off x="5639139" y="1990749"/>
+              <a:ext cx="220270" cy="220270"/>
+            </a:xfrm>
+            <a:prstGeom prst="rect">
+              <a:avLst/>
+            </a:prstGeom>
+          </p:spPr>
+          <p:style>
+            <a:lnRef idx="2">
+              <a:schemeClr val="dk1"/>
+            </a:lnRef>
+            <a:fillRef idx="1">
+              <a:schemeClr val="lt1"/>
+            </a:fillRef>
+            <a:effectRef idx="0">
+              <a:schemeClr val="dk1"/>
+            </a:effectRef>
+            <a:fontRef idx="minor">
+              <a:schemeClr val="dk1"/>
+            </a:fontRef>
+          </p:style>
+          <p:txBody>
+            <a:bodyPr lIns="0" rIns="0" rtlCol="0" anchor="ctr"/>
+            <a:lstStyle/>
+            <a:p>
+              <a:pPr algn="ctr"/>
+              <a:r>
+                <a:rPr kumimoji="1" lang="en-US" altLang="ja-JP" sz="1600" dirty="0"/>
+                <a:t>…</a:t>
+              </a:r>
+              <a:endParaRPr kumimoji="1" lang="ja-JP" altLang="en-US" sz="1600" dirty="0"/>
+            </a:p>
+          </p:txBody>
+        </p:sp>
+        <p:sp>
+          <p:nvSpPr>
+            <p:cNvPr id="100" name="正方形/長方形 99"/>
+            <p:cNvSpPr/>
+            <p:nvPr/>
+          </p:nvSpPr>
+          <p:spPr>
+            <a:xfrm>
+              <a:off x="6999830" y="1992557"/>
+              <a:ext cx="220270" cy="220270"/>
+            </a:xfrm>
+            <a:prstGeom prst="rect">
+              <a:avLst/>
+            </a:prstGeom>
+          </p:spPr>
+          <p:style>
+            <a:lnRef idx="2">
+              <a:schemeClr val="dk1"/>
+            </a:lnRef>
+            <a:fillRef idx="1">
+              <a:schemeClr val="lt1"/>
+            </a:fillRef>
+            <a:effectRef idx="0">
+              <a:schemeClr val="dk1"/>
+            </a:effectRef>
+            <a:fontRef idx="minor">
+              <a:schemeClr val="dk1"/>
+            </a:fontRef>
+          </p:style>
+          <p:txBody>
+            <a:bodyPr lIns="0" rIns="0" rtlCol="0" anchor="ctr"/>
+            <a:lstStyle/>
+            <a:p>
+              <a:pPr algn="ctr"/>
+              <a:r>
+                <a:rPr kumimoji="1" lang="en-US" altLang="ja-JP" sz="1600" dirty="0"/>
+                <a:t>0</a:t>
+              </a:r>
+              <a:endParaRPr kumimoji="1" lang="ja-JP" altLang="en-US" sz="1600" dirty="0"/>
+            </a:p>
+          </p:txBody>
+        </p:sp>
+        <p:sp>
+          <p:nvSpPr>
+            <p:cNvPr id="104" name="正方形/長方形 103"/>
+            <p:cNvSpPr/>
+            <p:nvPr/>
+          </p:nvSpPr>
+          <p:spPr>
+            <a:xfrm>
+              <a:off x="6727693" y="1992557"/>
+              <a:ext cx="220270" cy="220270"/>
+            </a:xfrm>
+            <a:prstGeom prst="rect">
+              <a:avLst/>
+            </a:prstGeom>
+          </p:spPr>
+          <p:style>
+            <a:lnRef idx="2">
+              <a:schemeClr val="dk1"/>
+            </a:lnRef>
+            <a:fillRef idx="1">
+              <a:schemeClr val="lt1"/>
+            </a:fillRef>
+            <a:effectRef idx="0">
+              <a:schemeClr val="dk1"/>
+            </a:effectRef>
+            <a:fontRef idx="minor">
+              <a:schemeClr val="dk1"/>
+            </a:fontRef>
+          </p:style>
+          <p:txBody>
+            <a:bodyPr lIns="0" rIns="0" rtlCol="0" anchor="ctr"/>
+            <a:lstStyle/>
+            <a:p>
+              <a:pPr algn="ctr"/>
+              <a:r>
+                <a:rPr kumimoji="1" lang="en-US" altLang="ja-JP" sz="1600" dirty="0"/>
+                <a:t>0</a:t>
+              </a:r>
+              <a:endParaRPr kumimoji="1" lang="ja-JP" altLang="en-US" sz="1600" dirty="0"/>
+            </a:p>
+          </p:txBody>
+        </p:sp>
+        <p:sp>
+          <p:nvSpPr>
+            <p:cNvPr id="109" name="正方形/長方形 108"/>
+            <p:cNvSpPr/>
+            <p:nvPr/>
+          </p:nvSpPr>
+          <p:spPr>
+            <a:xfrm>
+              <a:off x="6455554" y="1992557"/>
+              <a:ext cx="220270" cy="220270"/>
+            </a:xfrm>
+            <a:prstGeom prst="rect">
+              <a:avLst/>
+            </a:prstGeom>
+          </p:spPr>
+          <p:style>
+            <a:lnRef idx="2">
+              <a:schemeClr val="dk1"/>
+            </a:lnRef>
+            <a:fillRef idx="1">
+              <a:schemeClr val="lt1"/>
+            </a:fillRef>
+            <a:effectRef idx="0">
+              <a:schemeClr val="dk1"/>
+            </a:effectRef>
+            <a:fontRef idx="minor">
+              <a:schemeClr val="dk1"/>
+            </a:fontRef>
+          </p:style>
+          <p:txBody>
+            <a:bodyPr lIns="0" rIns="0" rtlCol="0" anchor="ctr"/>
+            <a:lstStyle/>
+            <a:p>
+              <a:pPr algn="ctr"/>
+              <a:r>
+                <a:rPr kumimoji="1" lang="en-US" altLang="ja-JP" sz="1600" dirty="0"/>
+                <a:t>0</a:t>
+              </a:r>
+              <a:endParaRPr kumimoji="1" lang="ja-JP" altLang="en-US" sz="1600" dirty="0"/>
+            </a:p>
+          </p:txBody>
+        </p:sp>
+        <p:sp>
+          <p:nvSpPr>
+            <p:cNvPr id="115" name="正方形/長方形 114"/>
+            <p:cNvSpPr/>
+            <p:nvPr/>
+          </p:nvSpPr>
+          <p:spPr>
+            <a:xfrm>
+              <a:off x="6183416" y="1992557"/>
+              <a:ext cx="220270" cy="220270"/>
+            </a:xfrm>
+            <a:prstGeom prst="rect">
+              <a:avLst/>
+            </a:prstGeom>
+          </p:spPr>
+          <p:style>
+            <a:lnRef idx="2">
+              <a:schemeClr val="dk1"/>
+            </a:lnRef>
+            <a:fillRef idx="1">
+              <a:schemeClr val="lt1"/>
+            </a:fillRef>
+            <a:effectRef idx="0">
+              <a:schemeClr val="dk1"/>
+            </a:effectRef>
+            <a:fontRef idx="minor">
+              <a:schemeClr val="dk1"/>
+            </a:fontRef>
+          </p:style>
+          <p:txBody>
+            <a:bodyPr lIns="0" rIns="0" rtlCol="0" anchor="ctr"/>
+            <a:lstStyle/>
+            <a:p>
+              <a:pPr algn="ctr"/>
+              <a:r>
+                <a:rPr kumimoji="1" lang="en-US" altLang="ja-JP" sz="1600" dirty="0"/>
+                <a:t>0</a:t>
+              </a:r>
+              <a:endParaRPr kumimoji="1" lang="ja-JP" altLang="en-US" sz="1600" dirty="0"/>
+            </a:p>
+          </p:txBody>
+        </p:sp>
+        <p:sp>
+          <p:nvSpPr>
+            <p:cNvPr id="118" name="矢印: 右 117"/>
+            <p:cNvSpPr/>
+            <p:nvPr/>
+          </p:nvSpPr>
+          <p:spPr>
+            <a:xfrm>
+              <a:off x="5602627" y="2231199"/>
+              <a:ext cx="1810998" cy="165100"/>
+            </a:xfrm>
+            <a:prstGeom prst="rightArrow">
+              <a:avLst/>
+            </a:prstGeom>
+          </p:spPr>
+          <p:style>
+            <a:lnRef idx="2">
+              <a:schemeClr val="accent1">
+                <a:shade val="50000"/>
+              </a:schemeClr>
+            </a:lnRef>
+            <a:fillRef idx="1">
+              <a:schemeClr val="accent1"/>
+            </a:fillRef>
+            <a:effectRef idx="0">
+              <a:schemeClr val="accent1"/>
+            </a:effectRef>
+            <a:fontRef idx="minor">
+              <a:schemeClr val="lt1"/>
+            </a:fontRef>
+          </p:style>
+          <p:txBody>
+            <a:bodyPr rtlCol="0" anchor="ctr"/>
+            <a:lstStyle/>
+            <a:p>
+              <a:pPr algn="ctr"/>
+              <a:endParaRPr kumimoji="1" lang="ja-JP" altLang="en-US"/>
+            </a:p>
+          </p:txBody>
+        </p:sp>
+      </p:grpSp>
+      <p:grpSp>
+        <p:nvGrpSpPr>
+          <p:cNvPr id="120" name="グループ化 119"/>
+          <p:cNvGrpSpPr/>
+          <p:nvPr/>
+        </p:nvGrpSpPr>
+        <p:grpSpPr>
+          <a:xfrm>
+            <a:off x="5602627" y="3139101"/>
+            <a:ext cx="1810998" cy="385370"/>
+            <a:chOff x="5602627" y="3139101"/>
+            <a:chExt cx="1810998" cy="385370"/>
+          </a:xfrm>
+        </p:grpSpPr>
+        <p:sp>
+          <p:nvSpPr>
+            <p:cNvPr id="78" name="正方形/長方形 77"/>
+            <p:cNvSpPr/>
+            <p:nvPr/>
+          </p:nvSpPr>
+          <p:spPr>
+            <a:xfrm>
+              <a:off x="5911277" y="3140908"/>
+              <a:ext cx="220270" cy="220270"/>
+            </a:xfrm>
+            <a:prstGeom prst="rect">
+              <a:avLst/>
+            </a:prstGeom>
+          </p:spPr>
+          <p:style>
+            <a:lnRef idx="2">
+              <a:schemeClr val="dk1"/>
+            </a:lnRef>
+            <a:fillRef idx="1">
+              <a:schemeClr val="lt1"/>
+            </a:fillRef>
+            <a:effectRef idx="0">
+              <a:schemeClr val="dk1"/>
+            </a:effectRef>
+            <a:fontRef idx="minor">
+              <a:schemeClr val="dk1"/>
+            </a:fontRef>
+          </p:style>
+          <p:txBody>
+            <a:bodyPr lIns="0" rIns="0" rtlCol="0" anchor="ctr"/>
+            <a:lstStyle/>
+            <a:p>
+              <a:pPr algn="ctr"/>
+              <a:r>
+                <a:rPr kumimoji="1" lang="en-US" altLang="ja-JP" sz="1600" dirty="0"/>
+                <a:t>9</a:t>
+              </a:r>
+              <a:endParaRPr kumimoji="1" lang="ja-JP" altLang="en-US" sz="1600" dirty="0"/>
+            </a:p>
+          </p:txBody>
+        </p:sp>
+        <p:sp>
+          <p:nvSpPr>
+            <p:cNvPr id="81" name="正方形/長方形 80"/>
+            <p:cNvSpPr/>
+            <p:nvPr/>
+          </p:nvSpPr>
+          <p:spPr>
+            <a:xfrm>
+              <a:off x="5639139" y="3140908"/>
+              <a:ext cx="220270" cy="220270"/>
+            </a:xfrm>
+            <a:prstGeom prst="rect">
+              <a:avLst/>
+            </a:prstGeom>
+          </p:spPr>
+          <p:style>
+            <a:lnRef idx="2">
+              <a:schemeClr val="dk1"/>
+            </a:lnRef>
+            <a:fillRef idx="1">
+              <a:schemeClr val="lt1"/>
+            </a:fillRef>
+            <a:effectRef idx="0">
+              <a:schemeClr val="dk1"/>
+            </a:effectRef>
+            <a:fontRef idx="minor">
+              <a:schemeClr val="dk1"/>
+            </a:fontRef>
+          </p:style>
+          <p:txBody>
+            <a:bodyPr lIns="0" rIns="0" rtlCol="0" anchor="ctr"/>
+            <a:lstStyle/>
+            <a:p>
+              <a:pPr algn="ctr"/>
+              <a:r>
+                <a:rPr kumimoji="1" lang="en-US" altLang="ja-JP" sz="1600" dirty="0"/>
+                <a:t>…</a:t>
+              </a:r>
+              <a:endParaRPr kumimoji="1" lang="ja-JP" altLang="en-US" sz="1600" dirty="0"/>
+            </a:p>
+          </p:txBody>
+        </p:sp>
+        <p:sp>
+          <p:nvSpPr>
+            <p:cNvPr id="99" name="正方形/長方形 98"/>
+            <p:cNvSpPr/>
+            <p:nvPr/>
+          </p:nvSpPr>
+          <p:spPr>
+            <a:xfrm>
+              <a:off x="6999830" y="3139101"/>
+              <a:ext cx="220270" cy="220270"/>
+            </a:xfrm>
+            <a:prstGeom prst="rect">
+              <a:avLst/>
+            </a:prstGeom>
+          </p:spPr>
+          <p:style>
+            <a:lnRef idx="2">
+              <a:schemeClr val="dk1"/>
+            </a:lnRef>
+            <a:fillRef idx="1">
+              <a:schemeClr val="lt1"/>
+            </a:fillRef>
+            <a:effectRef idx="0">
+              <a:schemeClr val="dk1"/>
+            </a:effectRef>
+            <a:fontRef idx="minor">
+              <a:schemeClr val="dk1"/>
+            </a:fontRef>
+          </p:style>
+          <p:txBody>
+            <a:bodyPr lIns="0" rIns="0" rtlCol="0" anchor="ctr"/>
+            <a:lstStyle/>
+            <a:p>
+              <a:pPr algn="ctr"/>
+              <a:r>
+                <a:rPr kumimoji="1" lang="en-US" altLang="ja-JP" sz="1600" dirty="0"/>
+                <a:t>5</a:t>
+              </a:r>
+              <a:endParaRPr kumimoji="1" lang="ja-JP" altLang="en-US" sz="1600" dirty="0"/>
+            </a:p>
+          </p:txBody>
+        </p:sp>
+        <p:sp>
+          <p:nvSpPr>
+            <p:cNvPr id="103" name="正方形/長方形 102"/>
+            <p:cNvSpPr/>
+            <p:nvPr/>
+          </p:nvSpPr>
+          <p:spPr>
+            <a:xfrm>
+              <a:off x="6727693" y="3139101"/>
+              <a:ext cx="220270" cy="220270"/>
+            </a:xfrm>
+            <a:prstGeom prst="rect">
+              <a:avLst/>
+            </a:prstGeom>
+          </p:spPr>
+          <p:style>
+            <a:lnRef idx="2">
+              <a:schemeClr val="dk1"/>
+            </a:lnRef>
+            <a:fillRef idx="1">
+              <a:schemeClr val="lt1"/>
+            </a:fillRef>
+            <a:effectRef idx="0">
+              <a:schemeClr val="dk1"/>
+            </a:effectRef>
+            <a:fontRef idx="minor">
+              <a:schemeClr val="dk1"/>
+            </a:fontRef>
+          </p:style>
+          <p:txBody>
+            <a:bodyPr lIns="0" rIns="0" rtlCol="0" anchor="ctr"/>
+            <a:lstStyle/>
+            <a:p>
+              <a:pPr algn="ctr"/>
+              <a:r>
+                <a:rPr kumimoji="1" lang="en-US" altLang="ja-JP" sz="1600" dirty="0"/>
+                <a:t>6</a:t>
+              </a:r>
+              <a:endParaRPr kumimoji="1" lang="ja-JP" altLang="en-US" sz="1600" dirty="0"/>
+            </a:p>
+          </p:txBody>
+        </p:sp>
+        <p:sp>
+          <p:nvSpPr>
+            <p:cNvPr id="108" name="正方形/長方形 107"/>
+            <p:cNvSpPr/>
+            <p:nvPr/>
+          </p:nvSpPr>
+          <p:spPr>
+            <a:xfrm>
+              <a:off x="6455554" y="3139101"/>
+              <a:ext cx="220270" cy="220270"/>
+            </a:xfrm>
+            <a:prstGeom prst="rect">
+              <a:avLst/>
+            </a:prstGeom>
+          </p:spPr>
+          <p:style>
+            <a:lnRef idx="2">
+              <a:schemeClr val="dk1"/>
+            </a:lnRef>
+            <a:fillRef idx="1">
+              <a:schemeClr val="lt1"/>
+            </a:fillRef>
+            <a:effectRef idx="0">
+              <a:schemeClr val="dk1"/>
+            </a:effectRef>
+            <a:fontRef idx="minor">
+              <a:schemeClr val="dk1"/>
+            </a:fontRef>
+          </p:style>
+          <p:txBody>
+            <a:bodyPr lIns="0" rIns="0" rtlCol="0" anchor="ctr"/>
+            <a:lstStyle/>
+            <a:p>
+              <a:pPr algn="ctr"/>
+              <a:r>
+                <a:rPr kumimoji="1" lang="en-US" altLang="ja-JP" sz="1600" dirty="0"/>
+                <a:t>7</a:t>
+              </a:r>
+              <a:endParaRPr kumimoji="1" lang="ja-JP" altLang="en-US" sz="1600" dirty="0"/>
+            </a:p>
+          </p:txBody>
+        </p:sp>
+        <p:sp>
+          <p:nvSpPr>
+            <p:cNvPr id="114" name="正方形/長方形 113"/>
+            <p:cNvSpPr/>
+            <p:nvPr/>
+          </p:nvSpPr>
+          <p:spPr>
+            <a:xfrm>
+              <a:off x="6183416" y="3139101"/>
+              <a:ext cx="220270" cy="220270"/>
+            </a:xfrm>
+            <a:prstGeom prst="rect">
+              <a:avLst/>
+            </a:prstGeom>
+          </p:spPr>
+          <p:style>
+            <a:lnRef idx="2">
+              <a:schemeClr val="dk1"/>
+            </a:lnRef>
+            <a:fillRef idx="1">
+              <a:schemeClr val="lt1"/>
+            </a:fillRef>
+            <a:effectRef idx="0">
+              <a:schemeClr val="dk1"/>
+            </a:effectRef>
+            <a:fontRef idx="minor">
+              <a:schemeClr val="dk1"/>
+            </a:fontRef>
+          </p:style>
+          <p:txBody>
+            <a:bodyPr lIns="0" rIns="0" rtlCol="0" anchor="ctr"/>
+            <a:lstStyle/>
+            <a:p>
+              <a:pPr algn="ctr"/>
+              <a:r>
+                <a:rPr kumimoji="1" lang="en-US" altLang="ja-JP" sz="1600" dirty="0"/>
+                <a:t>8</a:t>
+              </a:r>
+              <a:endParaRPr kumimoji="1" lang="ja-JP" altLang="en-US" sz="1600" dirty="0"/>
+            </a:p>
+          </p:txBody>
+        </p:sp>
+        <p:sp>
+          <p:nvSpPr>
+            <p:cNvPr id="119" name="矢印: 右 118"/>
+            <p:cNvSpPr/>
+            <p:nvPr/>
+          </p:nvSpPr>
+          <p:spPr>
+            <a:xfrm>
+              <a:off x="5602627" y="3359371"/>
+              <a:ext cx="1810998" cy="165100"/>
+            </a:xfrm>
+            <a:prstGeom prst="rightArrow">
+              <a:avLst/>
+            </a:prstGeom>
+          </p:spPr>
+          <p:style>
+            <a:lnRef idx="2">
+              <a:schemeClr val="accent1">
+                <a:shade val="50000"/>
+              </a:schemeClr>
+            </a:lnRef>
+            <a:fillRef idx="1">
+              <a:schemeClr val="accent1"/>
+            </a:fillRef>
+            <a:effectRef idx="0">
+              <a:schemeClr val="accent1"/>
+            </a:effectRef>
+            <a:fontRef idx="minor">
+              <a:schemeClr val="lt1"/>
+            </a:fontRef>
+          </p:style>
+          <p:txBody>
+            <a:bodyPr rtlCol="0" anchor="ctr"/>
+            <a:lstStyle/>
+            <a:p>
+              <a:pPr algn="ctr"/>
+              <a:endParaRPr kumimoji="1" lang="ja-JP" altLang="en-US"/>
+            </a:p>
+          </p:txBody>
+        </p:sp>
+      </p:grpSp>
+    </p:spTree>
+    <p:extLst>
+      <p:ext uri="{BB962C8B-B14F-4D97-AF65-F5344CB8AC3E}">
+        <p14:creationId xmlns:p14="http://schemas.microsoft.com/office/powerpoint/2010/main" val="3365451773"/>
+      </p:ext>
+    </p:extLst>
+  </p:cSld>
+  <p:clrMapOvr>
+    <a:masterClrMapping/>
+  </p:clrMapOvr>
+</p:sld>
+</file>
+
+<file path=ppt/slides/slide6.xml><?xml version="1.0" encoding="utf-8"?>
+<p:sld xmlns:a="http://schemas.openxmlformats.org/drawingml/2006/main" xmlns:r="http://schemas.openxmlformats.org/officeDocument/2006/relationships" xmlns:p="http://schemas.openxmlformats.org/presentationml/2006/main">
+  <p:cSld>
+    <p:spTree>
+      <p:nvGrpSpPr>
+        <p:cNvPr id="1" name=""/>
+        <p:cNvGrpSpPr/>
+        <p:nvPr/>
+      </p:nvGrpSpPr>
+      <p:grpSpPr>
+        <a:xfrm>
+          <a:off x="0" y="0"/>
+          <a:ext cx="0" cy="0"/>
+          <a:chOff x="0" y="0"/>
+          <a:chExt cx="0" cy="0"/>
+        </a:xfrm>
+      </p:grpSpPr>
+      <p:cxnSp>
+        <p:nvCxnSpPr>
+          <p:cNvPr id="28" name="直線コネクタ 27"/>
+          <p:cNvCxnSpPr/>
+          <p:nvPr/>
+        </p:nvCxnSpPr>
+        <p:spPr>
+          <a:xfrm>
+            <a:off x="-2052690" y="2843743"/>
+            <a:ext cx="0" cy="429144"/>
+          </a:xfrm>
+          <a:prstGeom prst="line">
+            <a:avLst/>
+          </a:prstGeom>
+        </p:spPr>
+        <p:style>
+          <a:lnRef idx="1">
+            <a:schemeClr val="accent1"/>
+          </a:lnRef>
+          <a:fillRef idx="0">
+            <a:schemeClr val="accent1"/>
+          </a:fillRef>
+          <a:effectRef idx="0">
+            <a:schemeClr val="accent1"/>
+          </a:effectRef>
+          <a:fontRef idx="minor">
+            <a:schemeClr val="tx1"/>
+          </a:fontRef>
+        </p:style>
+      </p:cxnSp>
+      <p:grpSp>
+        <p:nvGrpSpPr>
+          <p:cNvPr id="37" name="グループ化 36"/>
+          <p:cNvGrpSpPr/>
+          <p:nvPr/>
+        </p:nvGrpSpPr>
+        <p:grpSpPr>
+          <a:xfrm>
+            <a:off x="672280" y="1741200"/>
+            <a:ext cx="3009383" cy="2197136"/>
+            <a:chOff x="672280" y="1741200"/>
+            <a:chExt cx="3009383" cy="2197136"/>
+          </a:xfrm>
+        </p:grpSpPr>
+        <p:sp>
+          <p:nvSpPr>
+            <p:cNvPr id="4" name="正方形/長方形 3"/>
+            <p:cNvSpPr/>
+            <p:nvPr/>
+          </p:nvSpPr>
+          <p:spPr>
+            <a:xfrm>
+              <a:off x="1177606" y="1741200"/>
+              <a:ext cx="1998731" cy="472611"/>
+            </a:xfrm>
+            <a:prstGeom prst="rect">
+              <a:avLst/>
+            </a:prstGeom>
+          </p:spPr>
+          <p:style>
+            <a:lnRef idx="2">
+              <a:schemeClr val="dk1"/>
+            </a:lnRef>
+            <a:fillRef idx="1">
+              <a:schemeClr val="lt1"/>
+            </a:fillRef>
+            <a:effectRef idx="0">
+              <a:schemeClr val="dk1"/>
+            </a:effectRef>
+            <a:fontRef idx="minor">
+              <a:schemeClr val="dk1"/>
+            </a:fontRef>
+          </p:style>
+          <p:txBody>
+            <a:bodyPr rtlCol="0" anchor="ctr"/>
+            <a:lstStyle/>
+            <a:p>
+              <a:pPr algn="ctr"/>
+              <a:r>
+                <a:rPr kumimoji="1" lang="en-US" altLang="ja-JP" dirty="0"/>
+                <a:t>FWFT FIFO</a:t>
+              </a:r>
+              <a:endParaRPr kumimoji="1" lang="ja-JP" altLang="en-US" dirty="0"/>
+            </a:p>
+          </p:txBody>
+        </p:sp>
+        <p:cxnSp>
+          <p:nvCxnSpPr>
+            <p:cNvPr id="8" name="直線矢印コネクタ 7"/>
+            <p:cNvCxnSpPr>
+              <a:cxnSpLocks/>
+              <a:stCxn id="4" idx="3"/>
+            </p:cNvCxnSpPr>
+            <p:nvPr/>
+          </p:nvCxnSpPr>
+          <p:spPr>
+            <a:xfrm>
+              <a:off x="3176337" y="1977506"/>
+              <a:ext cx="505326" cy="0"/>
+            </a:xfrm>
+            <a:prstGeom prst="straightConnector1">
+              <a:avLst/>
+            </a:prstGeom>
+            <a:ln>
+              <a:tailEnd type="triangle"/>
+            </a:ln>
+          </p:spPr>
+          <p:style>
+            <a:lnRef idx="1">
+              <a:schemeClr val="accent1"/>
+            </a:lnRef>
+            <a:fillRef idx="0">
+              <a:schemeClr val="accent1"/>
+            </a:fillRef>
+            <a:effectRef idx="0">
+              <a:schemeClr val="accent1"/>
+            </a:effectRef>
+            <a:fontRef idx="minor">
+              <a:schemeClr val="tx1"/>
+            </a:fontRef>
+          </p:style>
+        </p:cxnSp>
+        <p:cxnSp>
+          <p:nvCxnSpPr>
+            <p:cNvPr id="14" name="直線矢印コネクタ 13"/>
+            <p:cNvCxnSpPr>
+              <a:cxnSpLocks/>
+              <a:endCxn id="4" idx="1"/>
+            </p:cNvCxnSpPr>
+            <p:nvPr/>
+          </p:nvCxnSpPr>
+          <p:spPr>
+            <a:xfrm>
+              <a:off x="672280" y="1977506"/>
+              <a:ext cx="505326" cy="0"/>
+            </a:xfrm>
+            <a:prstGeom prst="straightConnector1">
+              <a:avLst/>
+            </a:prstGeom>
+            <a:ln>
+              <a:tailEnd type="triangle"/>
+            </a:ln>
+          </p:spPr>
+          <p:style>
+            <a:lnRef idx="1">
+              <a:schemeClr val="accent1"/>
+            </a:lnRef>
+            <a:fillRef idx="0">
+              <a:schemeClr val="accent1"/>
+            </a:fillRef>
+            <a:effectRef idx="0">
+              <a:schemeClr val="accent1"/>
+            </a:effectRef>
+            <a:fontRef idx="minor">
+              <a:schemeClr val="tx1"/>
+            </a:fontRef>
+          </p:style>
+        </p:cxnSp>
+        <p:sp>
+          <p:nvSpPr>
+            <p:cNvPr id="17" name="正方形/長方形 16"/>
+            <p:cNvSpPr/>
+            <p:nvPr/>
+          </p:nvSpPr>
+          <p:spPr>
+            <a:xfrm>
+              <a:off x="1177606" y="2603463"/>
+              <a:ext cx="1998731" cy="472611"/>
+            </a:xfrm>
+            <a:prstGeom prst="rect">
+              <a:avLst/>
+            </a:prstGeom>
+          </p:spPr>
+          <p:style>
+            <a:lnRef idx="2">
+              <a:schemeClr val="dk1"/>
+            </a:lnRef>
+            <a:fillRef idx="1">
+              <a:schemeClr val="lt1"/>
+            </a:fillRef>
+            <a:effectRef idx="0">
+              <a:schemeClr val="dk1"/>
+            </a:effectRef>
+            <a:fontRef idx="minor">
+              <a:schemeClr val="dk1"/>
+            </a:fontRef>
+          </p:style>
+          <p:txBody>
+            <a:bodyPr rtlCol="0" anchor="ctr"/>
+            <a:lstStyle/>
+            <a:p>
+              <a:pPr algn="ctr"/>
+              <a:r>
+                <a:rPr kumimoji="1" lang="en-US" altLang="ja-JP" dirty="0"/>
+                <a:t>FWFT FIFO</a:t>
+              </a:r>
+              <a:endParaRPr kumimoji="1" lang="ja-JP" altLang="en-US" dirty="0"/>
+            </a:p>
+          </p:txBody>
+        </p:sp>
+        <p:cxnSp>
+          <p:nvCxnSpPr>
+            <p:cNvPr id="18" name="直線矢印コネクタ 17"/>
+            <p:cNvCxnSpPr>
+              <a:cxnSpLocks/>
+              <a:stCxn id="17" idx="3"/>
+            </p:cNvCxnSpPr>
+            <p:nvPr/>
+          </p:nvCxnSpPr>
+          <p:spPr>
+            <a:xfrm>
+              <a:off x="3176337" y="2839769"/>
+              <a:ext cx="505326" cy="0"/>
+            </a:xfrm>
+            <a:prstGeom prst="straightConnector1">
+              <a:avLst/>
+            </a:prstGeom>
+            <a:ln>
+              <a:tailEnd type="triangle"/>
+            </a:ln>
+          </p:spPr>
+          <p:style>
+            <a:lnRef idx="1">
+              <a:schemeClr val="accent1"/>
+            </a:lnRef>
+            <a:fillRef idx="0">
+              <a:schemeClr val="accent1"/>
+            </a:fillRef>
+            <a:effectRef idx="0">
+              <a:schemeClr val="accent1"/>
+            </a:effectRef>
+            <a:fontRef idx="minor">
+              <a:schemeClr val="tx1"/>
+            </a:fontRef>
+          </p:style>
+        </p:cxnSp>
+        <p:cxnSp>
+          <p:nvCxnSpPr>
+            <p:cNvPr id="19" name="直線矢印コネクタ 18"/>
+            <p:cNvCxnSpPr>
+              <a:cxnSpLocks/>
+              <a:endCxn id="17" idx="1"/>
+            </p:cNvCxnSpPr>
+            <p:nvPr/>
+          </p:nvCxnSpPr>
+          <p:spPr>
+            <a:xfrm>
+              <a:off x="900880" y="2839769"/>
+              <a:ext cx="276726" cy="0"/>
+            </a:xfrm>
+            <a:prstGeom prst="straightConnector1">
+              <a:avLst/>
+            </a:prstGeom>
+            <a:ln>
+              <a:tailEnd type="triangle"/>
+            </a:ln>
+          </p:spPr>
+          <p:style>
+            <a:lnRef idx="1">
+              <a:schemeClr val="accent1"/>
+            </a:lnRef>
+            <a:fillRef idx="0">
+              <a:schemeClr val="accent1"/>
+            </a:fillRef>
+            <a:effectRef idx="0">
+              <a:schemeClr val="accent1"/>
+            </a:effectRef>
+            <a:fontRef idx="minor">
+              <a:schemeClr val="tx1"/>
+            </a:fontRef>
+          </p:style>
+        </p:cxnSp>
+        <p:sp>
+          <p:nvSpPr>
+            <p:cNvPr id="20" name="正方形/長方形 19"/>
+            <p:cNvSpPr/>
+            <p:nvPr/>
+          </p:nvSpPr>
+          <p:spPr>
+            <a:xfrm>
+              <a:off x="1177606" y="3465725"/>
+              <a:ext cx="1998731" cy="472611"/>
+            </a:xfrm>
+            <a:prstGeom prst="rect">
+              <a:avLst/>
+            </a:prstGeom>
+          </p:spPr>
+          <p:style>
+            <a:lnRef idx="2">
+              <a:schemeClr val="dk1"/>
+            </a:lnRef>
+            <a:fillRef idx="1">
+              <a:schemeClr val="lt1"/>
+            </a:fillRef>
+            <a:effectRef idx="0">
+              <a:schemeClr val="dk1"/>
+            </a:effectRef>
+            <a:fontRef idx="minor">
+              <a:schemeClr val="dk1"/>
+            </a:fontRef>
+          </p:style>
+          <p:txBody>
+            <a:bodyPr rtlCol="0" anchor="ctr"/>
+            <a:lstStyle/>
+            <a:p>
+              <a:pPr algn="ctr"/>
+              <a:r>
+                <a:rPr kumimoji="1" lang="en-US" altLang="ja-JP" dirty="0"/>
+                <a:t>FWFT FIFO</a:t>
+              </a:r>
+              <a:endParaRPr kumimoji="1" lang="ja-JP" altLang="en-US" dirty="0"/>
+            </a:p>
+          </p:txBody>
+        </p:sp>
+        <p:cxnSp>
+          <p:nvCxnSpPr>
+            <p:cNvPr id="21" name="直線矢印コネクタ 20"/>
+            <p:cNvCxnSpPr>
+              <a:cxnSpLocks/>
+              <a:stCxn id="20" idx="3"/>
+            </p:cNvCxnSpPr>
+            <p:nvPr/>
+          </p:nvCxnSpPr>
+          <p:spPr>
+            <a:xfrm>
+              <a:off x="3176337" y="3702031"/>
+              <a:ext cx="505326" cy="0"/>
+            </a:xfrm>
+            <a:prstGeom prst="straightConnector1">
+              <a:avLst/>
+            </a:prstGeom>
+            <a:ln>
+              <a:tailEnd type="triangle"/>
+            </a:ln>
+          </p:spPr>
+          <p:style>
+            <a:lnRef idx="1">
+              <a:schemeClr val="accent1"/>
+            </a:lnRef>
+            <a:fillRef idx="0">
+              <a:schemeClr val="accent1"/>
+            </a:fillRef>
+            <a:effectRef idx="0">
+              <a:schemeClr val="accent1"/>
+            </a:effectRef>
+            <a:fontRef idx="minor">
+              <a:schemeClr val="tx1"/>
+            </a:fontRef>
+          </p:style>
+        </p:cxnSp>
+        <p:cxnSp>
+          <p:nvCxnSpPr>
+            <p:cNvPr id="22" name="直線矢印コネクタ 21"/>
+            <p:cNvCxnSpPr>
+              <a:cxnSpLocks/>
+              <a:endCxn id="20" idx="1"/>
+            </p:cNvCxnSpPr>
+            <p:nvPr/>
+          </p:nvCxnSpPr>
+          <p:spPr>
+            <a:xfrm>
+              <a:off x="900880" y="3702031"/>
+              <a:ext cx="276726" cy="0"/>
+            </a:xfrm>
+            <a:prstGeom prst="straightConnector1">
+              <a:avLst/>
+            </a:prstGeom>
+            <a:ln>
+              <a:tailEnd type="triangle"/>
+            </a:ln>
+          </p:spPr>
+          <p:style>
+            <a:lnRef idx="1">
+              <a:schemeClr val="accent1"/>
+            </a:lnRef>
+            <a:fillRef idx="0">
+              <a:schemeClr val="accent1"/>
+            </a:fillRef>
+            <a:effectRef idx="0">
+              <a:schemeClr val="accent1"/>
+            </a:effectRef>
+            <a:fontRef idx="minor">
+              <a:schemeClr val="tx1"/>
+            </a:fontRef>
+          </p:style>
+        </p:cxnSp>
+        <p:cxnSp>
+          <p:nvCxnSpPr>
+            <p:cNvPr id="24" name="直線コネクタ 23"/>
+            <p:cNvCxnSpPr/>
+            <p:nvPr/>
+          </p:nvCxnSpPr>
+          <p:spPr>
+            <a:xfrm>
+              <a:off x="3397250" y="1977506"/>
+              <a:ext cx="0" cy="429144"/>
+            </a:xfrm>
+            <a:prstGeom prst="line">
+              <a:avLst/>
+            </a:prstGeom>
+            <a:ln>
+              <a:headEnd type="oval"/>
+            </a:ln>
+          </p:spPr>
+          <p:style>
+            <a:lnRef idx="1">
+              <a:schemeClr val="accent1"/>
+            </a:lnRef>
+            <a:fillRef idx="0">
+              <a:schemeClr val="accent1"/>
+            </a:fillRef>
+            <a:effectRef idx="0">
+              <a:schemeClr val="accent1"/>
+            </a:effectRef>
+            <a:fontRef idx="minor">
+              <a:schemeClr val="tx1"/>
+            </a:fontRef>
+          </p:style>
+        </p:cxnSp>
+        <p:cxnSp>
+          <p:nvCxnSpPr>
+            <p:cNvPr id="25" name="直線コネクタ 24"/>
+            <p:cNvCxnSpPr/>
+            <p:nvPr/>
+          </p:nvCxnSpPr>
+          <p:spPr>
+            <a:xfrm>
+              <a:off x="3397250" y="2839769"/>
+              <a:ext cx="0" cy="429144"/>
+            </a:xfrm>
+            <a:prstGeom prst="line">
+              <a:avLst/>
+            </a:prstGeom>
+            <a:ln>
+              <a:headEnd type="oval"/>
+            </a:ln>
+          </p:spPr>
+          <p:style>
+            <a:lnRef idx="1">
+              <a:schemeClr val="accent1"/>
+            </a:lnRef>
+            <a:fillRef idx="0">
+              <a:schemeClr val="accent1"/>
+            </a:fillRef>
+            <a:effectRef idx="0">
+              <a:schemeClr val="accent1"/>
+            </a:effectRef>
+            <a:fontRef idx="minor">
+              <a:schemeClr val="tx1"/>
+            </a:fontRef>
+          </p:style>
+        </p:cxnSp>
+        <p:cxnSp>
+          <p:nvCxnSpPr>
+            <p:cNvPr id="26" name="直線コネクタ 25"/>
+            <p:cNvCxnSpPr/>
+            <p:nvPr/>
+          </p:nvCxnSpPr>
+          <p:spPr>
+            <a:xfrm>
+              <a:off x="900880" y="3272887"/>
+              <a:ext cx="0" cy="429144"/>
+            </a:xfrm>
+            <a:prstGeom prst="line">
+              <a:avLst/>
+            </a:prstGeom>
+          </p:spPr>
+          <p:style>
+            <a:lnRef idx="1">
+              <a:schemeClr val="accent1"/>
+            </a:lnRef>
+            <a:fillRef idx="0">
+              <a:schemeClr val="accent1"/>
+            </a:fillRef>
+            <a:effectRef idx="0">
+              <a:schemeClr val="accent1"/>
+            </a:effectRef>
+            <a:fontRef idx="minor">
+              <a:schemeClr val="tx1"/>
+            </a:fontRef>
+          </p:style>
+        </p:cxnSp>
+        <p:cxnSp>
+          <p:nvCxnSpPr>
+            <p:cNvPr id="27" name="直線コネクタ 26"/>
+            <p:cNvCxnSpPr/>
+            <p:nvPr/>
+          </p:nvCxnSpPr>
+          <p:spPr>
+            <a:xfrm>
+              <a:off x="900880" y="2410625"/>
+              <a:ext cx="0" cy="429144"/>
+            </a:xfrm>
+            <a:prstGeom prst="line">
+              <a:avLst/>
+            </a:prstGeom>
+          </p:spPr>
+          <p:style>
+            <a:lnRef idx="1">
+              <a:schemeClr val="accent1"/>
+            </a:lnRef>
+            <a:fillRef idx="0">
+              <a:schemeClr val="accent1"/>
+            </a:fillRef>
+            <a:effectRef idx="0">
+              <a:schemeClr val="accent1"/>
+            </a:effectRef>
+            <a:fontRef idx="minor">
+              <a:schemeClr val="tx1"/>
+            </a:fontRef>
+          </p:style>
+        </p:cxnSp>
+        <p:cxnSp>
+          <p:nvCxnSpPr>
+            <p:cNvPr id="29" name="直線コネクタ 28"/>
+            <p:cNvCxnSpPr>
+              <a:cxnSpLocks/>
+            </p:cNvCxnSpPr>
+            <p:nvPr/>
+          </p:nvCxnSpPr>
+          <p:spPr>
+            <a:xfrm>
+              <a:off x="900880" y="3268913"/>
+              <a:ext cx="2496370" cy="0"/>
+            </a:xfrm>
+            <a:prstGeom prst="line">
+              <a:avLst/>
+            </a:prstGeom>
+          </p:spPr>
+          <p:style>
+            <a:lnRef idx="1">
+              <a:schemeClr val="accent1"/>
+            </a:lnRef>
+            <a:fillRef idx="0">
+              <a:schemeClr val="accent1"/>
+            </a:fillRef>
+            <a:effectRef idx="0">
+              <a:schemeClr val="accent1"/>
+            </a:effectRef>
+            <a:fontRef idx="minor">
+              <a:schemeClr val="tx1"/>
+            </a:fontRef>
+          </p:style>
+        </p:cxnSp>
+        <p:cxnSp>
+          <p:nvCxnSpPr>
+            <p:cNvPr id="32" name="直線コネクタ 31"/>
+            <p:cNvCxnSpPr>
+              <a:cxnSpLocks/>
+            </p:cNvCxnSpPr>
+            <p:nvPr/>
+          </p:nvCxnSpPr>
+          <p:spPr>
+            <a:xfrm>
+              <a:off x="900880" y="2406650"/>
+              <a:ext cx="2496370" cy="0"/>
+            </a:xfrm>
+            <a:prstGeom prst="line">
+              <a:avLst/>
+            </a:prstGeom>
+          </p:spPr>
+          <p:style>
+            <a:lnRef idx="1">
+              <a:schemeClr val="accent1"/>
+            </a:lnRef>
+            <a:fillRef idx="0">
+              <a:schemeClr val="accent1"/>
+            </a:fillRef>
+            <a:effectRef idx="0">
+              <a:schemeClr val="accent1"/>
+            </a:effectRef>
+            <a:fontRef idx="minor">
+              <a:schemeClr val="tx1"/>
+            </a:fontRef>
+          </p:style>
+        </p:cxnSp>
+      </p:grpSp>
+    </p:spTree>
+    <p:extLst>
+      <p:ext uri="{BB962C8B-B14F-4D97-AF65-F5344CB8AC3E}">
+        <p14:creationId xmlns:p14="http://schemas.microsoft.com/office/powerpoint/2010/main" val="1137896259"/>
+      </p:ext>
+    </p:extLst>
+  </p:cSld>
+  <p:clrMapOvr>
+    <a:masterClrMapping/>
+  </p:clrMapOvr>
+</p:sld>
+</file>
+
 <file path=ppt/theme/theme1.xml><?xml version="1.0" encoding="utf-8"?>
 <a:theme xmlns:a="http://schemas.openxmlformats.org/drawingml/2006/main" name="Office テーマ">
   <a:themeElements>

--- a/figure.pptx
+++ b/figure.pptx
@@ -11,6 +11,7 @@
     <p:sldId id="259" r:id="rId5"/>
     <p:sldId id="260" r:id="rId6"/>
     <p:sldId id="261" r:id="rId7"/>
+    <p:sldId id="262" r:id="rId8"/>
   </p:sldIdLst>
   <p:sldSz cx="9144000" cy="6858000" type="screen4x3"/>
   <p:notesSz cx="6858000" cy="9144000"/>
@@ -8325,8 +8326,8 @@
                 </a:p>
               </p:txBody>
             </p:sp>
-            <mc:AlternateContent xmlns:mc="http://schemas.openxmlformats.org/markup-compatibility/2006">
-              <mc:Choice xmlns:a14="http://schemas.microsoft.com/office/drawing/2010/main" Requires="a14">
+            <mc:AlternateContent xmlns:mc="http://schemas.openxmlformats.org/markup-compatibility/2006" xmlns:a14="http://schemas.microsoft.com/office/drawing/2010/main">
+              <mc:Choice Requires="a14">
                 <p:sp>
                   <p:nvSpPr>
                     <p:cNvPr id="72" name="正方形/長方形 71"/>
@@ -8388,7 +8389,7 @@
                   </p:txBody>
                 </p:sp>
               </mc:Choice>
-              <mc:Fallback>
+              <mc:Fallback xmlns="">
                 <p:sp>
                   <p:nvSpPr>
                     <p:cNvPr id="72" name="正方形/長方形 71"/>
@@ -10469,6 +10470,1721 @@
 </p:sld>
 </file>
 
+<file path=ppt/slides/slide7.xml><?xml version="1.0" encoding="utf-8"?>
+<p:sld xmlns:a="http://schemas.openxmlformats.org/drawingml/2006/main" xmlns:r="http://schemas.openxmlformats.org/officeDocument/2006/relationships" xmlns:p="http://schemas.openxmlformats.org/presentationml/2006/main">
+  <p:cSld>
+    <p:spTree>
+      <p:nvGrpSpPr>
+        <p:cNvPr id="1" name=""/>
+        <p:cNvGrpSpPr/>
+        <p:nvPr/>
+      </p:nvGrpSpPr>
+      <p:grpSpPr>
+        <a:xfrm>
+          <a:off x="0" y="0"/>
+          <a:ext cx="0" cy="0"/>
+          <a:chOff x="0" y="0"/>
+          <a:chExt cx="0" cy="0"/>
+        </a:xfrm>
+      </p:grpSpPr>
+      <p:graphicFrame>
+        <p:nvGraphicFramePr>
+          <p:cNvPr id="4" name="表 3"/>
+          <p:cNvGraphicFramePr>
+            <a:graphicFrameLocks noGrp="1"/>
+          </p:cNvGraphicFramePr>
+          <p:nvPr>
+            <p:extLst>
+              <p:ext uri="{D42A27DB-BD31-4B8C-83A1-F6EECF244321}">
+                <p14:modId xmlns:p14="http://schemas.microsoft.com/office/powerpoint/2010/main" val="1254941333"/>
+              </p:ext>
+            </p:extLst>
+          </p:nvPr>
+        </p:nvGraphicFramePr>
+        <p:xfrm>
+          <a:off x="5338010" y="2491874"/>
+          <a:ext cx="1957137" cy="2225040"/>
+        </p:xfrm>
+        <a:graphic>
+          <a:graphicData uri="http://schemas.openxmlformats.org/drawingml/2006/table">
+            <a:tbl>
+              <a:tblPr firstRow="1" bandRow="1">
+                <a:tableStyleId>{2D5ABB26-0587-4C30-8999-92F81FD0307C}</a:tableStyleId>
+              </a:tblPr>
+              <a:tblGrid>
+                <a:gridCol w="866274">
+                  <a:extLst>
+                    <a:ext uri="{9D8B030D-6E8A-4147-A177-3AD203B41FA5}">
+                      <a16:colId xmlns:a16="http://schemas.microsoft.com/office/drawing/2014/main" val="52806133"/>
+                    </a:ext>
+                  </a:extLst>
+                </a:gridCol>
+                <a:gridCol w="280737">
+                  <a:extLst>
+                    <a:ext uri="{9D8B030D-6E8A-4147-A177-3AD203B41FA5}">
+                      <a16:colId xmlns:a16="http://schemas.microsoft.com/office/drawing/2014/main" val="3625821332"/>
+                    </a:ext>
+                  </a:extLst>
+                </a:gridCol>
+                <a:gridCol w="810126">
+                  <a:extLst>
+                    <a:ext uri="{9D8B030D-6E8A-4147-A177-3AD203B41FA5}">
+                      <a16:colId xmlns:a16="http://schemas.microsoft.com/office/drawing/2014/main" val="2056852575"/>
+                    </a:ext>
+                  </a:extLst>
+                </a:gridCol>
+              </a:tblGrid>
+              <a:tr h="370840">
+                <a:tc>
+                  <a:txBody>
+                    <a:bodyPr/>
+                    <a:lstStyle/>
+                    <a:p>
+                      <a:r>
+                        <a:rPr kumimoji="1" lang="en-US" altLang="ja-JP" dirty="0" err="1"/>
+                        <a:t>clk</a:t>
+                      </a:r>
+                      <a:endParaRPr kumimoji="1" lang="ja-JP" altLang="en-US" dirty="0"/>
+                    </a:p>
+                  </a:txBody>
+                  <a:tcPr>
+                    <a:lnL w="12700" cap="flat" cmpd="sng" algn="ctr">
+                      <a:solidFill>
+                        <a:schemeClr val="tx1"/>
+                      </a:solidFill>
+                      <a:prstDash val="solid"/>
+                      <a:round/>
+                      <a:headEnd type="none" w="med" len="med"/>
+                      <a:tailEnd type="none" w="med" len="med"/>
+                    </a:lnL>
+                    <a:lnT w="12700" cap="flat" cmpd="sng" algn="ctr">
+                      <a:solidFill>
+                        <a:schemeClr val="tx1"/>
+                      </a:solidFill>
+                      <a:prstDash val="solid"/>
+                      <a:round/>
+                      <a:headEnd type="none" w="med" len="med"/>
+                      <a:tailEnd type="none" w="med" len="med"/>
+                    </a:lnT>
+                  </a:tcPr>
+                </a:tc>
+                <a:tc>
+                  <a:txBody>
+                    <a:bodyPr/>
+                    <a:lstStyle/>
+                    <a:p>
+                      <a:endParaRPr kumimoji="1" lang="ja-JP" altLang="en-US"/>
+                    </a:p>
+                  </a:txBody>
+                  <a:tcPr>
+                    <a:lnT w="12700" cap="flat" cmpd="sng" algn="ctr">
+                      <a:solidFill>
+                        <a:schemeClr val="tx1"/>
+                      </a:solidFill>
+                      <a:prstDash val="solid"/>
+                      <a:round/>
+                      <a:headEnd type="none" w="med" len="med"/>
+                      <a:tailEnd type="none" w="med" len="med"/>
+                    </a:lnT>
+                  </a:tcPr>
+                </a:tc>
+                <a:tc>
+                  <a:txBody>
+                    <a:bodyPr/>
+                    <a:lstStyle/>
+                    <a:p>
+                      <a:pPr algn="r"/>
+                      <a:endParaRPr kumimoji="1" lang="ja-JP" altLang="en-US" dirty="0"/>
+                    </a:p>
+                  </a:txBody>
+                  <a:tcPr>
+                    <a:lnR w="12700" cap="flat" cmpd="sng" algn="ctr">
+                      <a:solidFill>
+                        <a:schemeClr val="tx1"/>
+                      </a:solidFill>
+                      <a:prstDash val="solid"/>
+                      <a:round/>
+                      <a:headEnd type="none" w="med" len="med"/>
+                      <a:tailEnd type="none" w="med" len="med"/>
+                    </a:lnR>
+                    <a:lnT w="12700" cap="flat" cmpd="sng" algn="ctr">
+                      <a:solidFill>
+                        <a:schemeClr val="tx1"/>
+                      </a:solidFill>
+                      <a:prstDash val="solid"/>
+                      <a:round/>
+                      <a:headEnd type="none" w="med" len="med"/>
+                      <a:tailEnd type="none" w="med" len="med"/>
+                    </a:lnT>
+                  </a:tcPr>
+                </a:tc>
+                <a:extLst>
+                  <a:ext uri="{0D108BD9-81ED-4DB2-BD59-A6C34878D82A}">
+                    <a16:rowId xmlns:a16="http://schemas.microsoft.com/office/drawing/2014/main" val="1858425946"/>
+                  </a:ext>
+                </a:extLst>
+              </a:tr>
+              <a:tr h="370840">
+                <a:tc>
+                  <a:txBody>
+                    <a:bodyPr/>
+                    <a:lstStyle/>
+                    <a:p>
+                      <a:r>
+                        <a:rPr kumimoji="1" lang="en-US" altLang="ja-JP" dirty="0" err="1"/>
+                        <a:t>srst</a:t>
+                      </a:r>
+                      <a:endParaRPr kumimoji="1" lang="ja-JP" altLang="en-US" dirty="0"/>
+                    </a:p>
+                  </a:txBody>
+                  <a:tcPr>
+                    <a:lnL w="12700" cap="flat" cmpd="sng" algn="ctr">
+                      <a:solidFill>
+                        <a:schemeClr val="tx1"/>
+                      </a:solidFill>
+                      <a:prstDash val="solid"/>
+                      <a:round/>
+                      <a:headEnd type="none" w="med" len="med"/>
+                      <a:tailEnd type="none" w="med" len="med"/>
+                    </a:lnL>
+                  </a:tcPr>
+                </a:tc>
+                <a:tc>
+                  <a:txBody>
+                    <a:bodyPr/>
+                    <a:lstStyle/>
+                    <a:p>
+                      <a:endParaRPr kumimoji="1" lang="ja-JP" altLang="en-US"/>
+                    </a:p>
+                  </a:txBody>
+                  <a:tcPr/>
+                </a:tc>
+                <a:tc>
+                  <a:txBody>
+                    <a:bodyPr/>
+                    <a:lstStyle/>
+                    <a:p>
+                      <a:pPr algn="r"/>
+                      <a:endParaRPr kumimoji="1" lang="ja-JP" altLang="en-US" dirty="0"/>
+                    </a:p>
+                  </a:txBody>
+                  <a:tcPr>
+                    <a:lnR w="12700" cap="flat" cmpd="sng" algn="ctr">
+                      <a:solidFill>
+                        <a:schemeClr val="tx1"/>
+                      </a:solidFill>
+                      <a:prstDash val="solid"/>
+                      <a:round/>
+                      <a:headEnd type="none" w="med" len="med"/>
+                      <a:tailEnd type="none" w="med" len="med"/>
+                    </a:lnR>
+                  </a:tcPr>
+                </a:tc>
+                <a:extLst>
+                  <a:ext uri="{0D108BD9-81ED-4DB2-BD59-A6C34878D82A}">
+                    <a16:rowId xmlns:a16="http://schemas.microsoft.com/office/drawing/2014/main" val="242993158"/>
+                  </a:ext>
+                </a:extLst>
+              </a:tr>
+              <a:tr h="370840">
+                <a:tc>
+                  <a:txBody>
+                    <a:bodyPr/>
+                    <a:lstStyle/>
+                    <a:p>
+                      <a:endParaRPr kumimoji="1" lang="ja-JP" altLang="en-US" dirty="0"/>
+                    </a:p>
+                  </a:txBody>
+                  <a:tcPr>
+                    <a:lnL w="12700" cap="flat" cmpd="sng" algn="ctr">
+                      <a:solidFill>
+                        <a:schemeClr val="tx1"/>
+                      </a:solidFill>
+                      <a:prstDash val="solid"/>
+                      <a:round/>
+                      <a:headEnd type="none" w="med" len="med"/>
+                      <a:tailEnd type="none" w="med" len="med"/>
+                    </a:lnL>
+                  </a:tcPr>
+                </a:tc>
+                <a:tc>
+                  <a:txBody>
+                    <a:bodyPr/>
+                    <a:lstStyle/>
+                    <a:p>
+                      <a:endParaRPr kumimoji="1" lang="ja-JP" altLang="en-US"/>
+                    </a:p>
+                  </a:txBody>
+                  <a:tcPr/>
+                </a:tc>
+                <a:tc>
+                  <a:txBody>
+                    <a:bodyPr/>
+                    <a:lstStyle/>
+                    <a:p>
+                      <a:pPr algn="r"/>
+                      <a:endParaRPr kumimoji="1" lang="ja-JP" altLang="en-US" dirty="0"/>
+                    </a:p>
+                  </a:txBody>
+                  <a:tcPr>
+                    <a:lnR w="12700" cap="flat" cmpd="sng" algn="ctr">
+                      <a:solidFill>
+                        <a:schemeClr val="tx1"/>
+                      </a:solidFill>
+                      <a:prstDash val="solid"/>
+                      <a:round/>
+                      <a:headEnd type="none" w="med" len="med"/>
+                      <a:tailEnd type="none" w="med" len="med"/>
+                    </a:lnR>
+                  </a:tcPr>
+                </a:tc>
+                <a:extLst>
+                  <a:ext uri="{0D108BD9-81ED-4DB2-BD59-A6C34878D82A}">
+                    <a16:rowId xmlns:a16="http://schemas.microsoft.com/office/drawing/2014/main" val="2193859123"/>
+                  </a:ext>
+                </a:extLst>
+              </a:tr>
+              <a:tr h="370840">
+                <a:tc>
+                  <a:txBody>
+                    <a:bodyPr/>
+                    <a:lstStyle/>
+                    <a:p>
+                      <a:r>
+                        <a:rPr kumimoji="1" lang="en-US" altLang="ja-JP" dirty="0"/>
+                        <a:t>din</a:t>
+                      </a:r>
+                      <a:endParaRPr kumimoji="1" lang="ja-JP" altLang="en-US" dirty="0"/>
+                    </a:p>
+                  </a:txBody>
+                  <a:tcPr>
+                    <a:lnL w="12700" cap="flat" cmpd="sng" algn="ctr">
+                      <a:solidFill>
+                        <a:schemeClr val="tx1"/>
+                      </a:solidFill>
+                      <a:prstDash val="solid"/>
+                      <a:round/>
+                      <a:headEnd type="none" w="med" len="med"/>
+                      <a:tailEnd type="none" w="med" len="med"/>
+                    </a:lnL>
+                  </a:tcPr>
+                </a:tc>
+                <a:tc>
+                  <a:txBody>
+                    <a:bodyPr/>
+                    <a:lstStyle/>
+                    <a:p>
+                      <a:endParaRPr kumimoji="1" lang="ja-JP" altLang="en-US"/>
+                    </a:p>
+                  </a:txBody>
+                  <a:tcPr/>
+                </a:tc>
+                <a:tc>
+                  <a:txBody>
+                    <a:bodyPr/>
+                    <a:lstStyle/>
+                    <a:p>
+                      <a:pPr algn="r"/>
+                      <a:r>
+                        <a:rPr kumimoji="1" lang="en-US" altLang="ja-JP" dirty="0" err="1"/>
+                        <a:t>dout</a:t>
+                      </a:r>
+                      <a:endParaRPr kumimoji="1" lang="ja-JP" altLang="en-US" dirty="0"/>
+                    </a:p>
+                  </a:txBody>
+                  <a:tcPr>
+                    <a:lnR w="12700" cap="flat" cmpd="sng" algn="ctr">
+                      <a:solidFill>
+                        <a:schemeClr val="tx1"/>
+                      </a:solidFill>
+                      <a:prstDash val="solid"/>
+                      <a:round/>
+                      <a:headEnd type="none" w="med" len="med"/>
+                      <a:tailEnd type="none" w="med" len="med"/>
+                    </a:lnR>
+                  </a:tcPr>
+                </a:tc>
+                <a:extLst>
+                  <a:ext uri="{0D108BD9-81ED-4DB2-BD59-A6C34878D82A}">
+                    <a16:rowId xmlns:a16="http://schemas.microsoft.com/office/drawing/2014/main" val="2822315524"/>
+                  </a:ext>
+                </a:extLst>
+              </a:tr>
+              <a:tr h="370840">
+                <a:tc>
+                  <a:txBody>
+                    <a:bodyPr/>
+                    <a:lstStyle/>
+                    <a:p>
+                      <a:r>
+                        <a:rPr kumimoji="1" lang="en-US" altLang="ja-JP" dirty="0" err="1"/>
+                        <a:t>wr_en</a:t>
+                      </a:r>
+                      <a:endParaRPr kumimoji="1" lang="ja-JP" altLang="en-US" dirty="0"/>
+                    </a:p>
+                  </a:txBody>
+                  <a:tcPr>
+                    <a:lnL w="12700" cap="flat" cmpd="sng" algn="ctr">
+                      <a:solidFill>
+                        <a:schemeClr val="tx1"/>
+                      </a:solidFill>
+                      <a:prstDash val="solid"/>
+                      <a:round/>
+                      <a:headEnd type="none" w="med" len="med"/>
+                      <a:tailEnd type="none" w="med" len="med"/>
+                    </a:lnL>
+                  </a:tcPr>
+                </a:tc>
+                <a:tc>
+                  <a:txBody>
+                    <a:bodyPr/>
+                    <a:lstStyle/>
+                    <a:p>
+                      <a:endParaRPr kumimoji="1" lang="ja-JP" altLang="en-US"/>
+                    </a:p>
+                  </a:txBody>
+                  <a:tcPr/>
+                </a:tc>
+                <a:tc>
+                  <a:txBody>
+                    <a:bodyPr/>
+                    <a:lstStyle/>
+                    <a:p>
+                      <a:pPr algn="r"/>
+                      <a:r>
+                        <a:rPr kumimoji="1" lang="en-US" altLang="ja-JP" dirty="0" err="1"/>
+                        <a:t>rd_en</a:t>
+                      </a:r>
+                      <a:endParaRPr kumimoji="1" lang="ja-JP" altLang="en-US" dirty="0"/>
+                    </a:p>
+                  </a:txBody>
+                  <a:tcPr>
+                    <a:lnR w="12700" cap="flat" cmpd="sng" algn="ctr">
+                      <a:solidFill>
+                        <a:schemeClr val="tx1"/>
+                      </a:solidFill>
+                      <a:prstDash val="solid"/>
+                      <a:round/>
+                      <a:headEnd type="none" w="med" len="med"/>
+                      <a:tailEnd type="none" w="med" len="med"/>
+                    </a:lnR>
+                  </a:tcPr>
+                </a:tc>
+                <a:extLst>
+                  <a:ext uri="{0D108BD9-81ED-4DB2-BD59-A6C34878D82A}">
+                    <a16:rowId xmlns:a16="http://schemas.microsoft.com/office/drawing/2014/main" val="3105769223"/>
+                  </a:ext>
+                </a:extLst>
+              </a:tr>
+              <a:tr h="370840">
+                <a:tc>
+                  <a:txBody>
+                    <a:bodyPr/>
+                    <a:lstStyle/>
+                    <a:p>
+                      <a:r>
+                        <a:rPr kumimoji="1" lang="en-US" altLang="ja-JP" dirty="0"/>
+                        <a:t>full</a:t>
+                      </a:r>
+                      <a:endParaRPr kumimoji="1" lang="ja-JP" altLang="en-US" dirty="0"/>
+                    </a:p>
+                  </a:txBody>
+                  <a:tcPr>
+                    <a:lnL w="12700" cap="flat" cmpd="sng" algn="ctr">
+                      <a:solidFill>
+                        <a:schemeClr val="tx1"/>
+                      </a:solidFill>
+                      <a:prstDash val="solid"/>
+                      <a:round/>
+                      <a:headEnd type="none" w="med" len="med"/>
+                      <a:tailEnd type="none" w="med" len="med"/>
+                    </a:lnL>
+                    <a:lnB w="12700" cap="flat" cmpd="sng" algn="ctr">
+                      <a:solidFill>
+                        <a:schemeClr val="tx1"/>
+                      </a:solidFill>
+                      <a:prstDash val="solid"/>
+                      <a:round/>
+                      <a:headEnd type="none" w="med" len="med"/>
+                      <a:tailEnd type="none" w="med" len="med"/>
+                    </a:lnB>
+                  </a:tcPr>
+                </a:tc>
+                <a:tc>
+                  <a:txBody>
+                    <a:bodyPr/>
+                    <a:lstStyle/>
+                    <a:p>
+                      <a:endParaRPr kumimoji="1" lang="ja-JP" altLang="en-US" dirty="0"/>
+                    </a:p>
+                  </a:txBody>
+                  <a:tcPr>
+                    <a:lnB w="12700" cap="flat" cmpd="sng" algn="ctr">
+                      <a:solidFill>
+                        <a:schemeClr val="tx1"/>
+                      </a:solidFill>
+                      <a:prstDash val="solid"/>
+                      <a:round/>
+                      <a:headEnd type="none" w="med" len="med"/>
+                      <a:tailEnd type="none" w="med" len="med"/>
+                    </a:lnB>
+                  </a:tcPr>
+                </a:tc>
+                <a:tc>
+                  <a:txBody>
+                    <a:bodyPr/>
+                    <a:lstStyle/>
+                    <a:p>
+                      <a:pPr algn="r"/>
+                      <a:r>
+                        <a:rPr kumimoji="1" lang="en-US" altLang="ja-JP" dirty="0"/>
+                        <a:t>empty</a:t>
+                      </a:r>
+                      <a:endParaRPr kumimoji="1" lang="ja-JP" altLang="en-US" dirty="0"/>
+                    </a:p>
+                  </a:txBody>
+                  <a:tcPr>
+                    <a:lnR w="12700" cap="flat" cmpd="sng" algn="ctr">
+                      <a:solidFill>
+                        <a:schemeClr val="tx1"/>
+                      </a:solidFill>
+                      <a:prstDash val="solid"/>
+                      <a:round/>
+                      <a:headEnd type="none" w="med" len="med"/>
+                      <a:tailEnd type="none" w="med" len="med"/>
+                    </a:lnR>
+                    <a:lnB w="12700" cap="flat" cmpd="sng" algn="ctr">
+                      <a:solidFill>
+                        <a:schemeClr val="tx1"/>
+                      </a:solidFill>
+                      <a:prstDash val="solid"/>
+                      <a:round/>
+                      <a:headEnd type="none" w="med" len="med"/>
+                      <a:tailEnd type="none" w="med" len="med"/>
+                    </a:lnB>
+                  </a:tcPr>
+                </a:tc>
+                <a:extLst>
+                  <a:ext uri="{0D108BD9-81ED-4DB2-BD59-A6C34878D82A}">
+                    <a16:rowId xmlns:a16="http://schemas.microsoft.com/office/drawing/2014/main" val="2537937215"/>
+                  </a:ext>
+                </a:extLst>
+              </a:tr>
+            </a:tbl>
+          </a:graphicData>
+        </a:graphic>
+      </p:graphicFrame>
+      <p:grpSp>
+        <p:nvGrpSpPr>
+          <p:cNvPr id="78" name="グループ化 77"/>
+          <p:cNvGrpSpPr/>
+          <p:nvPr/>
+        </p:nvGrpSpPr>
+        <p:grpSpPr>
+          <a:xfrm>
+            <a:off x="3429000" y="2699085"/>
+            <a:ext cx="4347410" cy="2323257"/>
+            <a:chOff x="3429000" y="2699085"/>
+            <a:chExt cx="4347410" cy="2323257"/>
+          </a:xfrm>
+        </p:grpSpPr>
+        <p:cxnSp>
+          <p:nvCxnSpPr>
+            <p:cNvPr id="6" name="直線コネクタ 5"/>
+            <p:cNvCxnSpPr>
+              <a:cxnSpLocks/>
+            </p:cNvCxnSpPr>
+            <p:nvPr/>
+          </p:nvCxnSpPr>
+          <p:spPr>
+            <a:xfrm flipH="1">
+              <a:off x="3429000" y="2699085"/>
+              <a:ext cx="1909011" cy="0"/>
+            </a:xfrm>
+            <a:prstGeom prst="line">
+              <a:avLst/>
+            </a:prstGeom>
+          </p:spPr>
+          <p:style>
+            <a:lnRef idx="2">
+              <a:schemeClr val="dk1"/>
+            </a:lnRef>
+            <a:fillRef idx="0">
+              <a:schemeClr val="dk1"/>
+            </a:fillRef>
+            <a:effectRef idx="1">
+              <a:schemeClr val="dk1"/>
+            </a:effectRef>
+            <a:fontRef idx="minor">
+              <a:schemeClr val="tx1"/>
+            </a:fontRef>
+          </p:style>
+        </p:cxnSp>
+        <p:cxnSp>
+          <p:nvCxnSpPr>
+            <p:cNvPr id="7" name="直線コネクタ 6"/>
+            <p:cNvCxnSpPr>
+              <a:cxnSpLocks/>
+            </p:cNvCxnSpPr>
+            <p:nvPr/>
+          </p:nvCxnSpPr>
+          <p:spPr>
+            <a:xfrm flipH="1">
+              <a:off x="3429000" y="3068054"/>
+              <a:ext cx="1909011" cy="0"/>
+            </a:xfrm>
+            <a:prstGeom prst="line">
+              <a:avLst/>
+            </a:prstGeom>
+          </p:spPr>
+          <p:style>
+            <a:lnRef idx="2">
+              <a:schemeClr val="dk1"/>
+            </a:lnRef>
+            <a:fillRef idx="0">
+              <a:schemeClr val="dk1"/>
+            </a:fillRef>
+            <a:effectRef idx="1">
+              <a:schemeClr val="dk1"/>
+            </a:effectRef>
+            <a:fontRef idx="minor">
+              <a:schemeClr val="tx1"/>
+            </a:fontRef>
+          </p:style>
+        </p:cxnSp>
+        <p:cxnSp>
+          <p:nvCxnSpPr>
+            <p:cNvPr id="8" name="直線コネクタ 7"/>
+            <p:cNvCxnSpPr>
+              <a:cxnSpLocks/>
+            </p:cNvCxnSpPr>
+            <p:nvPr/>
+          </p:nvCxnSpPr>
+          <p:spPr>
+            <a:xfrm flipH="1">
+              <a:off x="3429000" y="3814012"/>
+              <a:ext cx="1909011" cy="0"/>
+            </a:xfrm>
+            <a:prstGeom prst="line">
+              <a:avLst/>
+            </a:prstGeom>
+            <a:ln w="28575"/>
+          </p:spPr>
+          <p:style>
+            <a:lnRef idx="2">
+              <a:schemeClr val="dk1"/>
+            </a:lnRef>
+            <a:fillRef idx="0">
+              <a:schemeClr val="dk1"/>
+            </a:fillRef>
+            <a:effectRef idx="1">
+              <a:schemeClr val="dk1"/>
+            </a:effectRef>
+            <a:fontRef idx="minor">
+              <a:schemeClr val="tx1"/>
+            </a:fontRef>
+          </p:style>
+        </p:cxnSp>
+        <p:cxnSp>
+          <p:nvCxnSpPr>
+            <p:cNvPr id="9" name="直線コネクタ 8"/>
+            <p:cNvCxnSpPr>
+              <a:cxnSpLocks/>
+            </p:cNvCxnSpPr>
+            <p:nvPr/>
+          </p:nvCxnSpPr>
+          <p:spPr>
+            <a:xfrm flipH="1">
+              <a:off x="3429000" y="4170949"/>
+              <a:ext cx="1909012" cy="0"/>
+            </a:xfrm>
+            <a:prstGeom prst="line">
+              <a:avLst/>
+            </a:prstGeom>
+          </p:spPr>
+          <p:style>
+            <a:lnRef idx="2">
+              <a:schemeClr val="dk1"/>
+            </a:lnRef>
+            <a:fillRef idx="0">
+              <a:schemeClr val="dk1"/>
+            </a:fillRef>
+            <a:effectRef idx="1">
+              <a:schemeClr val="dk1"/>
+            </a:effectRef>
+            <a:fontRef idx="minor">
+              <a:schemeClr val="tx1"/>
+            </a:fontRef>
+          </p:style>
+        </p:cxnSp>
+        <p:cxnSp>
+          <p:nvCxnSpPr>
+            <p:cNvPr id="10" name="直線コネクタ 9"/>
+            <p:cNvCxnSpPr>
+              <a:cxnSpLocks/>
+            </p:cNvCxnSpPr>
+            <p:nvPr/>
+          </p:nvCxnSpPr>
+          <p:spPr>
+            <a:xfrm flipH="1">
+              <a:off x="3429000" y="4527886"/>
+              <a:ext cx="1909011" cy="0"/>
+            </a:xfrm>
+            <a:prstGeom prst="line">
+              <a:avLst/>
+            </a:prstGeom>
+          </p:spPr>
+          <p:style>
+            <a:lnRef idx="2">
+              <a:schemeClr val="dk1"/>
+            </a:lnRef>
+            <a:fillRef idx="0">
+              <a:schemeClr val="dk1"/>
+            </a:fillRef>
+            <a:effectRef idx="1">
+              <a:schemeClr val="dk1"/>
+            </a:effectRef>
+            <a:fontRef idx="minor">
+              <a:schemeClr val="tx1"/>
+            </a:fontRef>
+          </p:style>
+        </p:cxnSp>
+        <p:cxnSp>
+          <p:nvCxnSpPr>
+            <p:cNvPr id="11" name="直線コネクタ 10"/>
+            <p:cNvCxnSpPr>
+              <a:cxnSpLocks/>
+            </p:cNvCxnSpPr>
+            <p:nvPr/>
+          </p:nvCxnSpPr>
+          <p:spPr>
+            <a:xfrm flipH="1">
+              <a:off x="7295147" y="3814012"/>
+              <a:ext cx="481263" cy="0"/>
+            </a:xfrm>
+            <a:prstGeom prst="line">
+              <a:avLst/>
+            </a:prstGeom>
+            <a:ln w="28575"/>
+          </p:spPr>
+          <p:style>
+            <a:lnRef idx="2">
+              <a:schemeClr val="dk1"/>
+            </a:lnRef>
+            <a:fillRef idx="0">
+              <a:schemeClr val="dk1"/>
+            </a:fillRef>
+            <a:effectRef idx="1">
+              <a:schemeClr val="dk1"/>
+            </a:effectRef>
+            <a:fontRef idx="minor">
+              <a:schemeClr val="tx1"/>
+            </a:fontRef>
+          </p:style>
+        </p:cxnSp>
+        <p:cxnSp>
+          <p:nvCxnSpPr>
+            <p:cNvPr id="12" name="直線コネクタ 11"/>
+            <p:cNvCxnSpPr>
+              <a:cxnSpLocks/>
+            </p:cNvCxnSpPr>
+            <p:nvPr/>
+          </p:nvCxnSpPr>
+          <p:spPr>
+            <a:xfrm flipH="1">
+              <a:off x="7295147" y="4170949"/>
+              <a:ext cx="481263" cy="0"/>
+            </a:xfrm>
+            <a:prstGeom prst="line">
+              <a:avLst/>
+            </a:prstGeom>
+          </p:spPr>
+          <p:style>
+            <a:lnRef idx="2">
+              <a:schemeClr val="dk1"/>
+            </a:lnRef>
+            <a:fillRef idx="0">
+              <a:schemeClr val="dk1"/>
+            </a:fillRef>
+            <a:effectRef idx="1">
+              <a:schemeClr val="dk1"/>
+            </a:effectRef>
+            <a:fontRef idx="minor">
+              <a:schemeClr val="tx1"/>
+            </a:fontRef>
+          </p:style>
+        </p:cxnSp>
+        <p:cxnSp>
+          <p:nvCxnSpPr>
+            <p:cNvPr id="13" name="直線コネクタ 12"/>
+            <p:cNvCxnSpPr>
+              <a:cxnSpLocks/>
+            </p:cNvCxnSpPr>
+            <p:nvPr/>
+          </p:nvCxnSpPr>
+          <p:spPr>
+            <a:xfrm flipH="1">
+              <a:off x="7295147" y="4527886"/>
+              <a:ext cx="481263" cy="0"/>
+            </a:xfrm>
+            <a:prstGeom prst="line">
+              <a:avLst/>
+            </a:prstGeom>
+          </p:spPr>
+          <p:style>
+            <a:lnRef idx="2">
+              <a:schemeClr val="dk1"/>
+            </a:lnRef>
+            <a:fillRef idx="0">
+              <a:schemeClr val="dk1"/>
+            </a:fillRef>
+            <a:effectRef idx="1">
+              <a:schemeClr val="dk1"/>
+            </a:effectRef>
+            <a:fontRef idx="minor">
+              <a:schemeClr val="tx1"/>
+            </a:fontRef>
+          </p:style>
+        </p:cxnSp>
+        <p:grpSp>
+          <p:nvGrpSpPr>
+            <p:cNvPr id="16" name="グループ化 15"/>
+            <p:cNvGrpSpPr/>
+            <p:nvPr/>
+          </p:nvGrpSpPr>
+          <p:grpSpPr>
+            <a:xfrm>
+              <a:off x="4553519" y="3662398"/>
+              <a:ext cx="303228" cy="303228"/>
+              <a:chOff x="549954" y="1861516"/>
+              <a:chExt cx="459638" cy="459638"/>
+            </a:xfrm>
+          </p:grpSpPr>
+          <p:sp>
+            <p:nvSpPr>
+              <p:cNvPr id="14" name="正方形/長方形 13"/>
+              <p:cNvSpPr/>
+              <p:nvPr/>
+            </p:nvSpPr>
+            <p:spPr>
+              <a:xfrm>
+                <a:off x="549954" y="1861516"/>
+                <a:ext cx="459638" cy="459638"/>
+              </a:xfrm>
+              <a:prstGeom prst="rect">
+                <a:avLst/>
+              </a:prstGeom>
+            </p:spPr>
+            <p:style>
+              <a:lnRef idx="2">
+                <a:schemeClr val="dk1"/>
+              </a:lnRef>
+              <a:fillRef idx="1">
+                <a:schemeClr val="lt1"/>
+              </a:fillRef>
+              <a:effectRef idx="0">
+                <a:schemeClr val="dk1"/>
+              </a:effectRef>
+              <a:fontRef idx="minor">
+                <a:schemeClr val="dk1"/>
+              </a:fontRef>
+            </p:style>
+            <p:txBody>
+              <a:bodyPr lIns="0" rIns="0" rtlCol="0" anchor="ctr"/>
+              <a:lstStyle/>
+              <a:p>
+                <a:pPr algn="ctr"/>
+                <a:endParaRPr kumimoji="1" lang="ja-JP" altLang="en-US" sz="2400" dirty="0"/>
+              </a:p>
+            </p:txBody>
+          </p:sp>
+          <p:sp>
+            <p:nvSpPr>
+              <p:cNvPr id="15" name="二等辺三角形 14"/>
+              <p:cNvSpPr/>
+              <p:nvPr/>
+            </p:nvSpPr>
+            <p:spPr>
+              <a:xfrm>
+                <a:off x="611330" y="2150434"/>
+                <a:ext cx="156411" cy="170720"/>
+              </a:xfrm>
+              <a:prstGeom prst="triangle">
+                <a:avLst/>
+              </a:prstGeom>
+            </p:spPr>
+            <p:style>
+              <a:lnRef idx="2">
+                <a:schemeClr val="dk1"/>
+              </a:lnRef>
+              <a:fillRef idx="1">
+                <a:schemeClr val="lt1"/>
+              </a:fillRef>
+              <a:effectRef idx="0">
+                <a:schemeClr val="dk1"/>
+              </a:effectRef>
+              <a:fontRef idx="minor">
+                <a:schemeClr val="dk1"/>
+              </a:fontRef>
+            </p:style>
+            <p:txBody>
+              <a:bodyPr rtlCol="0" anchor="ctr"/>
+              <a:lstStyle/>
+              <a:p>
+                <a:pPr algn="ctr"/>
+                <a:endParaRPr kumimoji="1" lang="ja-JP" altLang="en-US"/>
+              </a:p>
+            </p:txBody>
+          </p:sp>
+        </p:grpSp>
+        <p:grpSp>
+          <p:nvGrpSpPr>
+            <p:cNvPr id="17" name="グループ化 16"/>
+            <p:cNvGrpSpPr/>
+            <p:nvPr/>
+          </p:nvGrpSpPr>
+          <p:grpSpPr>
+            <a:xfrm>
+              <a:off x="4553519" y="4016730"/>
+              <a:ext cx="303228" cy="303228"/>
+              <a:chOff x="549954" y="1861516"/>
+              <a:chExt cx="459638" cy="459638"/>
+            </a:xfrm>
+          </p:grpSpPr>
+          <p:sp>
+            <p:nvSpPr>
+              <p:cNvPr id="18" name="正方形/長方形 17"/>
+              <p:cNvSpPr/>
+              <p:nvPr/>
+            </p:nvSpPr>
+            <p:spPr>
+              <a:xfrm>
+                <a:off x="549954" y="1861516"/>
+                <a:ext cx="459638" cy="459638"/>
+              </a:xfrm>
+              <a:prstGeom prst="rect">
+                <a:avLst/>
+              </a:prstGeom>
+            </p:spPr>
+            <p:style>
+              <a:lnRef idx="2">
+                <a:schemeClr val="dk1"/>
+              </a:lnRef>
+              <a:fillRef idx="1">
+                <a:schemeClr val="lt1"/>
+              </a:fillRef>
+              <a:effectRef idx="0">
+                <a:schemeClr val="dk1"/>
+              </a:effectRef>
+              <a:fontRef idx="minor">
+                <a:schemeClr val="dk1"/>
+              </a:fontRef>
+            </p:style>
+            <p:txBody>
+              <a:bodyPr lIns="0" rIns="0" rtlCol="0" anchor="ctr"/>
+              <a:lstStyle/>
+              <a:p>
+                <a:pPr algn="ctr"/>
+                <a:endParaRPr kumimoji="1" lang="ja-JP" altLang="en-US" sz="2400" dirty="0"/>
+              </a:p>
+            </p:txBody>
+          </p:sp>
+          <p:sp>
+            <p:nvSpPr>
+              <p:cNvPr id="19" name="二等辺三角形 18"/>
+              <p:cNvSpPr/>
+              <p:nvPr/>
+            </p:nvSpPr>
+            <p:spPr>
+              <a:xfrm>
+                <a:off x="611330" y="2150434"/>
+                <a:ext cx="156411" cy="170720"/>
+              </a:xfrm>
+              <a:prstGeom prst="triangle">
+                <a:avLst/>
+              </a:prstGeom>
+            </p:spPr>
+            <p:style>
+              <a:lnRef idx="2">
+                <a:schemeClr val="dk1"/>
+              </a:lnRef>
+              <a:fillRef idx="1">
+                <a:schemeClr val="lt1"/>
+              </a:fillRef>
+              <a:effectRef idx="0">
+                <a:schemeClr val="dk1"/>
+              </a:effectRef>
+              <a:fontRef idx="minor">
+                <a:schemeClr val="dk1"/>
+              </a:fontRef>
+            </p:style>
+            <p:txBody>
+              <a:bodyPr rtlCol="0" anchor="ctr"/>
+              <a:lstStyle/>
+              <a:p>
+                <a:pPr algn="ctr"/>
+                <a:endParaRPr kumimoji="1" lang="ja-JP" altLang="en-US"/>
+              </a:p>
+            </p:txBody>
+          </p:sp>
+        </p:grpSp>
+        <p:grpSp>
+          <p:nvGrpSpPr>
+            <p:cNvPr id="20" name="グループ化 19"/>
+            <p:cNvGrpSpPr/>
+            <p:nvPr/>
+          </p:nvGrpSpPr>
+          <p:grpSpPr>
+            <a:xfrm>
+              <a:off x="3846139" y="4016730"/>
+              <a:ext cx="303228" cy="303228"/>
+              <a:chOff x="549954" y="1861516"/>
+              <a:chExt cx="459638" cy="459638"/>
+            </a:xfrm>
+          </p:grpSpPr>
+          <p:sp>
+            <p:nvSpPr>
+              <p:cNvPr id="21" name="正方形/長方形 20"/>
+              <p:cNvSpPr/>
+              <p:nvPr/>
+            </p:nvSpPr>
+            <p:spPr>
+              <a:xfrm>
+                <a:off x="549954" y="1861516"/>
+                <a:ext cx="459638" cy="459638"/>
+              </a:xfrm>
+              <a:prstGeom prst="rect">
+                <a:avLst/>
+              </a:prstGeom>
+            </p:spPr>
+            <p:style>
+              <a:lnRef idx="2">
+                <a:schemeClr val="dk1"/>
+              </a:lnRef>
+              <a:fillRef idx="1">
+                <a:schemeClr val="lt1"/>
+              </a:fillRef>
+              <a:effectRef idx="0">
+                <a:schemeClr val="dk1"/>
+              </a:effectRef>
+              <a:fontRef idx="minor">
+                <a:schemeClr val="dk1"/>
+              </a:fontRef>
+            </p:style>
+            <p:txBody>
+              <a:bodyPr lIns="0" rIns="0" rtlCol="0" anchor="ctr"/>
+              <a:lstStyle/>
+              <a:p>
+                <a:pPr algn="ctr"/>
+                <a:endParaRPr kumimoji="1" lang="ja-JP" altLang="en-US" sz="2400" dirty="0"/>
+              </a:p>
+            </p:txBody>
+          </p:sp>
+          <p:sp>
+            <p:nvSpPr>
+              <p:cNvPr id="22" name="二等辺三角形 21"/>
+              <p:cNvSpPr/>
+              <p:nvPr/>
+            </p:nvSpPr>
+            <p:spPr>
+              <a:xfrm>
+                <a:off x="611330" y="2150434"/>
+                <a:ext cx="156411" cy="170720"/>
+              </a:xfrm>
+              <a:prstGeom prst="triangle">
+                <a:avLst/>
+              </a:prstGeom>
+            </p:spPr>
+            <p:style>
+              <a:lnRef idx="2">
+                <a:schemeClr val="dk1"/>
+              </a:lnRef>
+              <a:fillRef idx="1">
+                <a:schemeClr val="lt1"/>
+              </a:fillRef>
+              <a:effectRef idx="0">
+                <a:schemeClr val="dk1"/>
+              </a:effectRef>
+              <a:fontRef idx="minor">
+                <a:schemeClr val="dk1"/>
+              </a:fontRef>
+            </p:style>
+            <p:txBody>
+              <a:bodyPr rtlCol="0" anchor="ctr"/>
+              <a:lstStyle/>
+              <a:p>
+                <a:pPr algn="ctr"/>
+                <a:endParaRPr kumimoji="1" lang="ja-JP" altLang="en-US"/>
+              </a:p>
+            </p:txBody>
+          </p:sp>
+        </p:grpSp>
+        <p:grpSp>
+          <p:nvGrpSpPr>
+            <p:cNvPr id="23" name="グループ化 22"/>
+            <p:cNvGrpSpPr/>
+            <p:nvPr/>
+          </p:nvGrpSpPr>
+          <p:grpSpPr>
+            <a:xfrm>
+              <a:off x="3846139" y="3662398"/>
+              <a:ext cx="303228" cy="303228"/>
+              <a:chOff x="549954" y="1861516"/>
+              <a:chExt cx="459638" cy="459638"/>
+            </a:xfrm>
+          </p:grpSpPr>
+          <p:sp>
+            <p:nvSpPr>
+              <p:cNvPr id="24" name="正方形/長方形 23"/>
+              <p:cNvSpPr/>
+              <p:nvPr/>
+            </p:nvSpPr>
+            <p:spPr>
+              <a:xfrm>
+                <a:off x="549954" y="1861516"/>
+                <a:ext cx="459638" cy="459638"/>
+              </a:xfrm>
+              <a:prstGeom prst="rect">
+                <a:avLst/>
+              </a:prstGeom>
+            </p:spPr>
+            <p:style>
+              <a:lnRef idx="2">
+                <a:schemeClr val="dk1"/>
+              </a:lnRef>
+              <a:fillRef idx="1">
+                <a:schemeClr val="lt1"/>
+              </a:fillRef>
+              <a:effectRef idx="0">
+                <a:schemeClr val="dk1"/>
+              </a:effectRef>
+              <a:fontRef idx="minor">
+                <a:schemeClr val="dk1"/>
+              </a:fontRef>
+            </p:style>
+            <p:txBody>
+              <a:bodyPr lIns="0" rIns="0" rtlCol="0" anchor="ctr"/>
+              <a:lstStyle/>
+              <a:p>
+                <a:pPr algn="ctr"/>
+                <a:endParaRPr kumimoji="1" lang="ja-JP" altLang="en-US" sz="2400" dirty="0"/>
+              </a:p>
+            </p:txBody>
+          </p:sp>
+          <p:sp>
+            <p:nvSpPr>
+              <p:cNvPr id="25" name="二等辺三角形 24"/>
+              <p:cNvSpPr/>
+              <p:nvPr/>
+            </p:nvSpPr>
+            <p:spPr>
+              <a:xfrm>
+                <a:off x="611330" y="2150434"/>
+                <a:ext cx="156411" cy="170720"/>
+              </a:xfrm>
+              <a:prstGeom prst="triangle">
+                <a:avLst/>
+              </a:prstGeom>
+            </p:spPr>
+            <p:style>
+              <a:lnRef idx="2">
+                <a:schemeClr val="dk1"/>
+              </a:lnRef>
+              <a:fillRef idx="1">
+                <a:schemeClr val="lt1"/>
+              </a:fillRef>
+              <a:effectRef idx="0">
+                <a:schemeClr val="dk1"/>
+              </a:effectRef>
+              <a:fontRef idx="minor">
+                <a:schemeClr val="dk1"/>
+              </a:fontRef>
+            </p:style>
+            <p:txBody>
+              <a:bodyPr rtlCol="0" anchor="ctr"/>
+              <a:lstStyle/>
+              <a:p>
+                <a:pPr algn="ctr"/>
+                <a:endParaRPr kumimoji="1" lang="ja-JP" altLang="en-US"/>
+              </a:p>
+            </p:txBody>
+          </p:sp>
+        </p:grpSp>
+        <p:cxnSp>
+          <p:nvCxnSpPr>
+            <p:cNvPr id="34" name="直線コネクタ 33"/>
+            <p:cNvCxnSpPr/>
+            <p:nvPr/>
+          </p:nvCxnSpPr>
+          <p:spPr>
+            <a:xfrm>
+              <a:off x="3649980" y="2699085"/>
+              <a:ext cx="0" cy="1712895"/>
+            </a:xfrm>
+            <a:prstGeom prst="line">
+              <a:avLst/>
+            </a:prstGeom>
+            <a:ln>
+              <a:headEnd type="oval"/>
+            </a:ln>
+          </p:spPr>
+          <p:style>
+            <a:lnRef idx="2">
+              <a:schemeClr val="dk1"/>
+            </a:lnRef>
+            <a:fillRef idx="0">
+              <a:schemeClr val="dk1"/>
+            </a:fillRef>
+            <a:effectRef idx="1">
+              <a:schemeClr val="dk1"/>
+            </a:effectRef>
+            <a:fontRef idx="minor">
+              <a:schemeClr val="tx1"/>
+            </a:fontRef>
+          </p:style>
+        </p:cxnSp>
+        <p:cxnSp>
+          <p:nvCxnSpPr>
+            <p:cNvPr id="35" name="直線コネクタ 34"/>
+            <p:cNvCxnSpPr>
+              <a:cxnSpLocks/>
+            </p:cNvCxnSpPr>
+            <p:nvPr/>
+          </p:nvCxnSpPr>
+          <p:spPr>
+            <a:xfrm flipH="1">
+              <a:off x="3649980" y="4411980"/>
+              <a:ext cx="995622" cy="0"/>
+            </a:xfrm>
+            <a:prstGeom prst="line">
+              <a:avLst/>
+            </a:prstGeom>
+          </p:spPr>
+          <p:style>
+            <a:lnRef idx="2">
+              <a:schemeClr val="dk1"/>
+            </a:lnRef>
+            <a:fillRef idx="0">
+              <a:schemeClr val="dk1"/>
+            </a:fillRef>
+            <a:effectRef idx="1">
+              <a:schemeClr val="dk1"/>
+            </a:effectRef>
+            <a:fontRef idx="minor">
+              <a:schemeClr val="tx1"/>
+            </a:fontRef>
+          </p:style>
+        </p:cxnSp>
+        <p:cxnSp>
+          <p:nvCxnSpPr>
+            <p:cNvPr id="38" name="直線コネクタ 37"/>
+            <p:cNvCxnSpPr>
+              <a:cxnSpLocks/>
+            </p:cNvCxnSpPr>
+            <p:nvPr/>
+          </p:nvCxnSpPr>
+          <p:spPr>
+            <a:xfrm>
+              <a:off x="4383505" y="3992917"/>
+              <a:ext cx="0" cy="419063"/>
+            </a:xfrm>
+            <a:prstGeom prst="line">
+              <a:avLst/>
+            </a:prstGeom>
+            <a:ln>
+              <a:tailEnd type="oval"/>
+            </a:ln>
+          </p:spPr>
+          <p:style>
+            <a:lnRef idx="2">
+              <a:schemeClr val="dk1"/>
+            </a:lnRef>
+            <a:fillRef idx="0">
+              <a:schemeClr val="dk1"/>
+            </a:fillRef>
+            <a:effectRef idx="1">
+              <a:schemeClr val="dk1"/>
+            </a:effectRef>
+            <a:fontRef idx="minor">
+              <a:schemeClr val="tx1"/>
+            </a:fontRef>
+          </p:style>
+        </p:cxnSp>
+        <p:cxnSp>
+          <p:nvCxnSpPr>
+            <p:cNvPr id="40" name="直線コネクタ 39"/>
+            <p:cNvCxnSpPr>
+              <a:cxnSpLocks/>
+            </p:cNvCxnSpPr>
+            <p:nvPr/>
+          </p:nvCxnSpPr>
+          <p:spPr>
+            <a:xfrm flipH="1">
+              <a:off x="4383505" y="3992917"/>
+              <a:ext cx="262097" cy="0"/>
+            </a:xfrm>
+            <a:prstGeom prst="line">
+              <a:avLst/>
+            </a:prstGeom>
+          </p:spPr>
+          <p:style>
+            <a:lnRef idx="2">
+              <a:schemeClr val="dk1"/>
+            </a:lnRef>
+            <a:fillRef idx="0">
+              <a:schemeClr val="dk1"/>
+            </a:fillRef>
+            <a:effectRef idx="1">
+              <a:schemeClr val="dk1"/>
+            </a:effectRef>
+            <a:fontRef idx="minor">
+              <a:schemeClr val="tx1"/>
+            </a:fontRef>
+          </p:style>
+        </p:cxnSp>
+        <p:cxnSp>
+          <p:nvCxnSpPr>
+            <p:cNvPr id="41" name="直線コネクタ 40"/>
+            <p:cNvCxnSpPr>
+              <a:cxnSpLocks/>
+              <a:stCxn id="15" idx="3"/>
+            </p:cNvCxnSpPr>
+            <p:nvPr/>
+          </p:nvCxnSpPr>
+          <p:spPr>
+            <a:xfrm>
+              <a:off x="4645602" y="3965626"/>
+              <a:ext cx="0" cy="27291"/>
+            </a:xfrm>
+            <a:prstGeom prst="line">
+              <a:avLst/>
+            </a:prstGeom>
+          </p:spPr>
+          <p:style>
+            <a:lnRef idx="2">
+              <a:schemeClr val="dk1"/>
+            </a:lnRef>
+            <a:fillRef idx="0">
+              <a:schemeClr val="dk1"/>
+            </a:fillRef>
+            <a:effectRef idx="1">
+              <a:schemeClr val="dk1"/>
+            </a:effectRef>
+            <a:fontRef idx="minor">
+              <a:schemeClr val="tx1"/>
+            </a:fontRef>
+          </p:style>
+        </p:cxnSp>
+        <p:cxnSp>
+          <p:nvCxnSpPr>
+            <p:cNvPr id="46" name="直線コネクタ 45"/>
+            <p:cNvCxnSpPr>
+              <a:cxnSpLocks/>
+            </p:cNvCxnSpPr>
+            <p:nvPr/>
+          </p:nvCxnSpPr>
+          <p:spPr>
+            <a:xfrm flipH="1">
+              <a:off x="3649980" y="3992917"/>
+              <a:ext cx="288243" cy="0"/>
+            </a:xfrm>
+            <a:prstGeom prst="line">
+              <a:avLst/>
+            </a:prstGeom>
+            <a:ln>
+              <a:tailEnd type="oval"/>
+            </a:ln>
+          </p:spPr>
+          <p:style>
+            <a:lnRef idx="2">
+              <a:schemeClr val="dk1"/>
+            </a:lnRef>
+            <a:fillRef idx="0">
+              <a:schemeClr val="dk1"/>
+            </a:fillRef>
+            <a:effectRef idx="1">
+              <a:schemeClr val="dk1"/>
+            </a:effectRef>
+            <a:fontRef idx="minor">
+              <a:schemeClr val="tx1"/>
+            </a:fontRef>
+          </p:style>
+        </p:cxnSp>
+        <p:cxnSp>
+          <p:nvCxnSpPr>
+            <p:cNvPr id="47" name="直線コネクタ 46"/>
+            <p:cNvCxnSpPr>
+              <a:cxnSpLocks/>
+              <a:stCxn id="25" idx="3"/>
+            </p:cNvCxnSpPr>
+            <p:nvPr/>
+          </p:nvCxnSpPr>
+          <p:spPr>
+            <a:xfrm>
+              <a:off x="3938222" y="3965626"/>
+              <a:ext cx="0" cy="31614"/>
+            </a:xfrm>
+            <a:prstGeom prst="line">
+              <a:avLst/>
+            </a:prstGeom>
+          </p:spPr>
+          <p:style>
+            <a:lnRef idx="2">
+              <a:schemeClr val="dk1"/>
+            </a:lnRef>
+            <a:fillRef idx="0">
+              <a:schemeClr val="dk1"/>
+            </a:fillRef>
+            <a:effectRef idx="1">
+              <a:schemeClr val="dk1"/>
+            </a:effectRef>
+            <a:fontRef idx="minor">
+              <a:schemeClr val="tx1"/>
+            </a:fontRef>
+          </p:style>
+        </p:cxnSp>
+        <p:cxnSp>
+          <p:nvCxnSpPr>
+            <p:cNvPr id="54" name="直線コネクタ 53"/>
+            <p:cNvCxnSpPr>
+              <a:cxnSpLocks/>
+              <a:stCxn id="19" idx="3"/>
+            </p:cNvCxnSpPr>
+            <p:nvPr/>
+          </p:nvCxnSpPr>
+          <p:spPr>
+            <a:xfrm>
+              <a:off x="4645602" y="4319958"/>
+              <a:ext cx="0" cy="92022"/>
+            </a:xfrm>
+            <a:prstGeom prst="line">
+              <a:avLst/>
+            </a:prstGeom>
+          </p:spPr>
+          <p:style>
+            <a:lnRef idx="2">
+              <a:schemeClr val="dk1"/>
+            </a:lnRef>
+            <a:fillRef idx="0">
+              <a:schemeClr val="dk1"/>
+            </a:fillRef>
+            <a:effectRef idx="1">
+              <a:schemeClr val="dk1"/>
+            </a:effectRef>
+            <a:fontRef idx="minor">
+              <a:schemeClr val="tx1"/>
+            </a:fontRef>
+          </p:style>
+        </p:cxnSp>
+        <p:cxnSp>
+          <p:nvCxnSpPr>
+            <p:cNvPr id="58" name="直線コネクタ 57"/>
+            <p:cNvCxnSpPr>
+              <a:cxnSpLocks/>
+              <a:stCxn id="22" idx="3"/>
+            </p:cNvCxnSpPr>
+            <p:nvPr/>
+          </p:nvCxnSpPr>
+          <p:spPr>
+            <a:xfrm flipH="1">
+              <a:off x="3937846" y="4319958"/>
+              <a:ext cx="376" cy="92022"/>
+            </a:xfrm>
+            <a:prstGeom prst="line">
+              <a:avLst/>
+            </a:prstGeom>
+            <a:ln>
+              <a:tailEnd type="oval"/>
+            </a:ln>
+          </p:spPr>
+          <p:style>
+            <a:lnRef idx="2">
+              <a:schemeClr val="dk1"/>
+            </a:lnRef>
+            <a:fillRef idx="0">
+              <a:schemeClr val="dk1"/>
+            </a:fillRef>
+            <a:effectRef idx="1">
+              <a:schemeClr val="dk1"/>
+            </a:effectRef>
+            <a:fontRef idx="minor">
+              <a:schemeClr val="tx1"/>
+            </a:fontRef>
+          </p:style>
+        </p:cxnSp>
+        <p:grpSp>
+          <p:nvGrpSpPr>
+            <p:cNvPr id="69" name="グループ化 68"/>
+            <p:cNvGrpSpPr/>
+            <p:nvPr/>
+          </p:nvGrpSpPr>
+          <p:grpSpPr>
+            <a:xfrm>
+              <a:off x="4500565" y="4756149"/>
+              <a:ext cx="287335" cy="229107"/>
+              <a:chOff x="4500565" y="4825999"/>
+              <a:chExt cx="287335" cy="229107"/>
+            </a:xfrm>
+          </p:grpSpPr>
+          <p:sp>
+            <p:nvSpPr>
+              <p:cNvPr id="60" name="円/楕円 25"/>
+              <p:cNvSpPr>
+                <a:spLocks noChangeAspect="1"/>
+              </p:cNvSpPr>
+              <p:nvPr/>
+            </p:nvSpPr>
+            <p:spPr>
+              <a:xfrm rot="10800000">
+                <a:off x="4500565" y="4889851"/>
+                <a:ext cx="101404" cy="101404"/>
+              </a:xfrm>
+              <a:prstGeom prst="ellipse">
+                <a:avLst/>
+              </a:prstGeom>
+            </p:spPr>
+            <p:style>
+              <a:lnRef idx="2">
+                <a:schemeClr val="dk1"/>
+              </a:lnRef>
+              <a:fillRef idx="1">
+                <a:schemeClr val="lt1"/>
+              </a:fillRef>
+              <a:effectRef idx="0">
+                <a:schemeClr val="dk1"/>
+              </a:effectRef>
+              <a:fontRef idx="minor">
+                <a:schemeClr val="dk1"/>
+              </a:fontRef>
+            </p:style>
+            <p:txBody>
+              <a:bodyPr rtlCol="0" anchor="ctr"/>
+              <a:lstStyle/>
+              <a:p>
+                <a:pPr algn="ctr"/>
+                <a:endParaRPr kumimoji="1" lang="ja-JP" altLang="en-US" sz="8000" dirty="0"/>
+              </a:p>
+            </p:txBody>
+          </p:sp>
+          <p:sp>
+            <p:nvSpPr>
+              <p:cNvPr id="61" name="二等辺三角形 60"/>
+              <p:cNvSpPr/>
+              <p:nvPr/>
+            </p:nvSpPr>
+            <p:spPr>
+              <a:xfrm rot="16200000">
+                <a:off x="4582736" y="4849942"/>
+                <a:ext cx="229107" cy="181221"/>
+              </a:xfrm>
+              <a:prstGeom prst="triangle">
+                <a:avLst/>
+              </a:prstGeom>
+            </p:spPr>
+            <p:style>
+              <a:lnRef idx="2">
+                <a:schemeClr val="dk1"/>
+              </a:lnRef>
+              <a:fillRef idx="1">
+                <a:schemeClr val="lt1"/>
+              </a:fillRef>
+              <a:effectRef idx="0">
+                <a:schemeClr val="dk1"/>
+              </a:effectRef>
+              <a:fontRef idx="minor">
+                <a:schemeClr val="dk1"/>
+              </a:fontRef>
+            </p:style>
+            <p:txBody>
+              <a:bodyPr rtlCol="0" anchor="ctr"/>
+              <a:lstStyle/>
+              <a:p>
+                <a:pPr algn="ctr"/>
+                <a:endParaRPr kumimoji="1" lang="ja-JP" altLang="en-US"/>
+              </a:p>
+            </p:txBody>
+          </p:sp>
+        </p:grpSp>
+        <p:cxnSp>
+          <p:nvCxnSpPr>
+            <p:cNvPr id="63" name="直線コネクタ 62"/>
+            <p:cNvCxnSpPr>
+              <a:cxnSpLocks/>
+            </p:cNvCxnSpPr>
+            <p:nvPr/>
+          </p:nvCxnSpPr>
+          <p:spPr>
+            <a:xfrm flipV="1">
+              <a:off x="5075655" y="4527887"/>
+              <a:ext cx="0" cy="349757"/>
+            </a:xfrm>
+            <a:prstGeom prst="line">
+              <a:avLst/>
+            </a:prstGeom>
+            <a:ln>
+              <a:tailEnd type="oval"/>
+            </a:ln>
+          </p:spPr>
+          <p:style>
+            <a:lnRef idx="2">
+              <a:schemeClr val="dk1"/>
+            </a:lnRef>
+            <a:fillRef idx="0">
+              <a:schemeClr val="dk1"/>
+            </a:fillRef>
+            <a:effectRef idx="1">
+              <a:schemeClr val="dk1"/>
+            </a:effectRef>
+            <a:fontRef idx="minor">
+              <a:schemeClr val="tx1"/>
+            </a:fontRef>
+          </p:style>
+        </p:cxnSp>
+        <p:cxnSp>
+          <p:nvCxnSpPr>
+            <p:cNvPr id="65" name="直線コネクタ 64"/>
+            <p:cNvCxnSpPr>
+              <a:cxnSpLocks/>
+              <a:endCxn id="61" idx="3"/>
+            </p:cNvCxnSpPr>
+            <p:nvPr/>
+          </p:nvCxnSpPr>
+          <p:spPr>
+            <a:xfrm flipH="1" flipV="1">
+              <a:off x="4787900" y="4870702"/>
+              <a:ext cx="287756" cy="0"/>
+            </a:xfrm>
+            <a:prstGeom prst="line">
+              <a:avLst/>
+            </a:prstGeom>
+          </p:spPr>
+          <p:style>
+            <a:lnRef idx="2">
+              <a:schemeClr val="dk1"/>
+            </a:lnRef>
+            <a:fillRef idx="0">
+              <a:schemeClr val="dk1"/>
+            </a:fillRef>
+            <a:effectRef idx="1">
+              <a:schemeClr val="dk1"/>
+            </a:effectRef>
+            <a:fontRef idx="minor">
+              <a:schemeClr val="tx1"/>
+            </a:fontRef>
+          </p:style>
+        </p:cxnSp>
+        <p:sp>
+          <p:nvSpPr>
+            <p:cNvPr id="73" name="テキスト ボックス 72"/>
+            <p:cNvSpPr txBox="1"/>
+            <p:nvPr/>
+          </p:nvSpPr>
+          <p:spPr>
+            <a:xfrm>
+              <a:off x="3937846" y="4653010"/>
+              <a:ext cx="397866" cy="369332"/>
+            </a:xfrm>
+            <a:prstGeom prst="rect">
+              <a:avLst/>
+            </a:prstGeom>
+            <a:noFill/>
+          </p:spPr>
+          <p:txBody>
+            <a:bodyPr wrap="none" rtlCol="0">
+              <a:spAutoFit/>
+            </a:bodyPr>
+            <a:lstStyle/>
+            <a:p>
+              <a:r>
+                <a:rPr kumimoji="1" lang="en-US" altLang="ja-JP" dirty="0" err="1"/>
+                <a:t>ce</a:t>
+              </a:r>
+              <a:endParaRPr kumimoji="1" lang="ja-JP" altLang="en-US" dirty="0"/>
+            </a:p>
+          </p:txBody>
+        </p:sp>
+        <p:cxnSp>
+          <p:nvCxnSpPr>
+            <p:cNvPr id="74" name="直線コネクタ 73"/>
+            <p:cNvCxnSpPr>
+              <a:cxnSpLocks/>
+            </p:cNvCxnSpPr>
+            <p:nvPr/>
+          </p:nvCxnSpPr>
+          <p:spPr>
+            <a:xfrm flipH="1">
+              <a:off x="4283869" y="4872405"/>
+              <a:ext cx="216695" cy="0"/>
+            </a:xfrm>
+            <a:prstGeom prst="line">
+              <a:avLst/>
+            </a:prstGeom>
+          </p:spPr>
+          <p:style>
+            <a:lnRef idx="2">
+              <a:schemeClr val="dk1"/>
+            </a:lnRef>
+            <a:fillRef idx="0">
+              <a:schemeClr val="dk1"/>
+            </a:fillRef>
+            <a:effectRef idx="1">
+              <a:schemeClr val="dk1"/>
+            </a:effectRef>
+            <a:fontRef idx="minor">
+              <a:schemeClr val="tx1"/>
+            </a:fontRef>
+          </p:style>
+        </p:cxnSp>
+        <p:cxnSp>
+          <p:nvCxnSpPr>
+            <p:cNvPr id="76" name="直線コネクタ 75"/>
+            <p:cNvCxnSpPr>
+              <a:cxnSpLocks/>
+            </p:cNvCxnSpPr>
+            <p:nvPr/>
+          </p:nvCxnSpPr>
+          <p:spPr>
+            <a:xfrm>
+              <a:off x="4278783" y="4659403"/>
+              <a:ext cx="0" cy="213002"/>
+            </a:xfrm>
+            <a:prstGeom prst="line">
+              <a:avLst/>
+            </a:prstGeom>
+            <a:ln>
+              <a:headEnd type="triangle"/>
+              <a:tailEnd type="none"/>
+            </a:ln>
+          </p:spPr>
+          <p:style>
+            <a:lnRef idx="2">
+              <a:schemeClr val="dk1"/>
+            </a:lnRef>
+            <a:fillRef idx="0">
+              <a:schemeClr val="dk1"/>
+            </a:fillRef>
+            <a:effectRef idx="1">
+              <a:schemeClr val="dk1"/>
+            </a:effectRef>
+            <a:fontRef idx="minor">
+              <a:schemeClr val="tx1"/>
+            </a:fontRef>
+          </p:style>
+        </p:cxnSp>
+      </p:grpSp>
+    </p:spTree>
+    <p:extLst>
+      <p:ext uri="{BB962C8B-B14F-4D97-AF65-F5344CB8AC3E}">
+        <p14:creationId xmlns:p14="http://schemas.microsoft.com/office/powerpoint/2010/main" val="364951171"/>
+      </p:ext>
+    </p:extLst>
+  </p:cSld>
+  <p:clrMapOvr>
+    <a:masterClrMapping/>
+  </p:clrMapOvr>
+</p:sld>
+</file>
+
 <file path=ppt/theme/theme1.xml><?xml version="1.0" encoding="utf-8"?>
 <a:theme xmlns:a="http://schemas.openxmlformats.org/drawingml/2006/main" name="Office テーマ">
   <a:themeElements>
